--- a/Cheat_Sheet/치트시트_김민영.pptx
+++ b/Cheat_Sheet/치트시트_김민영.pptx
@@ -4,8 +4,12 @@
   <p:sldMasterIdLst>
     <p:sldMasterId id="2147483648" r:id="rId1"/>
   </p:sldMasterIdLst>
+  <p:notesMasterIdLst>
+    <p:notesMasterId r:id="rId4"/>
+  </p:notesMasterIdLst>
   <p:sldIdLst>
     <p:sldId id="256" r:id="rId2"/>
+    <p:sldId id="257" r:id="rId3"/>
   </p:sldIdLst>
   <p:sldSz cx="12192000" cy="6858000"/>
   <p:notesSz cx="6858000" cy="9144000"/>
@@ -104,7 +108,361 @@
       </a:defRPr>
     </a:lvl9pPr>
   </p:defaultTextStyle>
+  <p:extLst>
+    <p:ext uri="{EFAFB233-063F-42B5-8137-9DF3F51BA10A}">
+      <p15:sldGuideLst xmlns:p15="http://schemas.microsoft.com/office/powerpoint/2012/main"/>
+    </p:ext>
+  </p:extLst>
 </p:presentation>
+</file>
+
+<file path=ppt/notesMasters/notesMaster1.xml><?xml version="1.0" encoding="utf-8"?>
+<p:notesMaster xmlns:a="http://schemas.openxmlformats.org/drawingml/2006/main" xmlns:r="http://schemas.openxmlformats.org/officeDocument/2006/relationships" xmlns:p="http://schemas.openxmlformats.org/presentationml/2006/main">
+  <p:cSld>
+    <p:bg>
+      <p:bgRef idx="1001">
+        <a:schemeClr val="bg1"/>
+      </p:bgRef>
+    </p:bg>
+    <p:spTree>
+      <p:nvGrpSpPr>
+        <p:cNvPr id="1" name=""/>
+        <p:cNvGrpSpPr/>
+        <p:nvPr/>
+      </p:nvGrpSpPr>
+      <p:grpSpPr>
+        <a:xfrm>
+          <a:off x="0" y="0"/>
+          <a:ext cx="0" cy="0"/>
+          <a:chOff x="0" y="0"/>
+          <a:chExt cx="0" cy="0"/>
+        </a:xfrm>
+      </p:grpSpPr>
+      <p:sp>
+        <p:nvSpPr>
+          <p:cNvPr id="2" name="머리글 개체 틀 1"/>
+          <p:cNvSpPr>
+            <a:spLocks noGrp="1"/>
+          </p:cNvSpPr>
+          <p:nvPr>
+            <p:ph type="hdr" sz="quarter"/>
+          </p:nvPr>
+        </p:nvSpPr>
+        <p:spPr>
+          <a:xfrm>
+            <a:off x="0" y="0"/>
+            <a:ext cx="2971800" cy="458788"/>
+          </a:xfrm>
+          <a:prstGeom prst="rect">
+            <a:avLst/>
+          </a:prstGeom>
+        </p:spPr>
+        <p:txBody>
+          <a:bodyPr vert="horz" lIns="91440" tIns="45720" rIns="91440" bIns="45720" rtlCol="0"/>
+          <a:lstStyle>
+            <a:lvl1pPr algn="l">
+              <a:defRPr sz="1200"/>
+            </a:lvl1pPr>
+          </a:lstStyle>
+          <a:p>
+            <a:endParaRPr lang="ko-KR" altLang="en-US"/>
+          </a:p>
+        </p:txBody>
+      </p:sp>
+      <p:sp>
+        <p:nvSpPr>
+          <p:cNvPr id="3" name="날짜 개체 틀 2"/>
+          <p:cNvSpPr>
+            <a:spLocks noGrp="1"/>
+          </p:cNvSpPr>
+          <p:nvPr>
+            <p:ph type="dt" idx="1"/>
+          </p:nvPr>
+        </p:nvSpPr>
+        <p:spPr>
+          <a:xfrm>
+            <a:off x="3884613" y="0"/>
+            <a:ext cx="2971800" cy="458788"/>
+          </a:xfrm>
+          <a:prstGeom prst="rect">
+            <a:avLst/>
+          </a:prstGeom>
+        </p:spPr>
+        <p:txBody>
+          <a:bodyPr vert="horz" lIns="91440" tIns="45720" rIns="91440" bIns="45720" rtlCol="0"/>
+          <a:lstStyle>
+            <a:lvl1pPr algn="r">
+              <a:defRPr sz="1200"/>
+            </a:lvl1pPr>
+          </a:lstStyle>
+          <a:p>
+            <a:fld id="{D1A6B994-C8EC-47A2-8E83-F6D5D58FF0B2}" type="datetimeFigureOut">
+              <a:rPr lang="ko-KR" altLang="en-US" smtClean="0"/>
+              <a:t>2021-07-14</a:t>
+            </a:fld>
+            <a:endParaRPr lang="ko-KR" altLang="en-US"/>
+          </a:p>
+        </p:txBody>
+      </p:sp>
+      <p:sp>
+        <p:nvSpPr>
+          <p:cNvPr id="4" name="슬라이드 이미지 개체 틀 3"/>
+          <p:cNvSpPr>
+            <a:spLocks noGrp="1" noRot="1" noChangeAspect="1"/>
+          </p:cNvSpPr>
+          <p:nvPr>
+            <p:ph type="sldImg" idx="2"/>
+          </p:nvPr>
+        </p:nvSpPr>
+        <p:spPr>
+          <a:xfrm>
+            <a:off x="685800" y="1143000"/>
+            <a:ext cx="5486400" cy="3086100"/>
+          </a:xfrm>
+          <a:prstGeom prst="rect">
+            <a:avLst/>
+          </a:prstGeom>
+          <a:noFill/>
+          <a:ln w="12700">
+            <a:solidFill>
+              <a:prstClr val="black"/>
+            </a:solidFill>
+          </a:ln>
+        </p:spPr>
+        <p:txBody>
+          <a:bodyPr vert="horz" lIns="91440" tIns="45720" rIns="91440" bIns="45720" rtlCol="0" anchor="ctr"/>
+          <a:lstStyle/>
+          <a:p>
+            <a:endParaRPr lang="ko-KR" altLang="en-US"/>
+          </a:p>
+        </p:txBody>
+      </p:sp>
+      <p:sp>
+        <p:nvSpPr>
+          <p:cNvPr id="5" name="슬라이드 노트 개체 틀 4"/>
+          <p:cNvSpPr>
+            <a:spLocks noGrp="1"/>
+          </p:cNvSpPr>
+          <p:nvPr>
+            <p:ph type="body" sz="quarter" idx="3"/>
+          </p:nvPr>
+        </p:nvSpPr>
+        <p:spPr>
+          <a:xfrm>
+            <a:off x="685800" y="4400550"/>
+            <a:ext cx="5486400" cy="3600450"/>
+          </a:xfrm>
+          <a:prstGeom prst="rect">
+            <a:avLst/>
+          </a:prstGeom>
+        </p:spPr>
+        <p:txBody>
+          <a:bodyPr vert="horz" lIns="91440" tIns="45720" rIns="91440" bIns="45720" rtlCol="0"/>
+          <a:lstStyle/>
+          <a:p>
+            <a:pPr lvl="0"/>
+            <a:r>
+              <a:rPr lang="ko-KR" altLang="en-US"/>
+              <a:t>마스터 텍스트 스타일을 편집하려면 클릭</a:t>
+            </a:r>
+          </a:p>
+          <a:p>
+            <a:pPr lvl="1"/>
+            <a:r>
+              <a:rPr lang="ko-KR" altLang="en-US"/>
+              <a:t>두 번째 수준</a:t>
+            </a:r>
+          </a:p>
+          <a:p>
+            <a:pPr lvl="2"/>
+            <a:r>
+              <a:rPr lang="ko-KR" altLang="en-US"/>
+              <a:t>세 번째 수준</a:t>
+            </a:r>
+          </a:p>
+          <a:p>
+            <a:pPr lvl="3"/>
+            <a:r>
+              <a:rPr lang="ko-KR" altLang="en-US"/>
+              <a:t>네 번째 수준</a:t>
+            </a:r>
+          </a:p>
+          <a:p>
+            <a:pPr lvl="4"/>
+            <a:r>
+              <a:rPr lang="ko-KR" altLang="en-US"/>
+              <a:t>다섯 번째 수준</a:t>
+            </a:r>
+          </a:p>
+        </p:txBody>
+      </p:sp>
+      <p:sp>
+        <p:nvSpPr>
+          <p:cNvPr id="6" name="바닥글 개체 틀 5"/>
+          <p:cNvSpPr>
+            <a:spLocks noGrp="1"/>
+          </p:cNvSpPr>
+          <p:nvPr>
+            <p:ph type="ftr" sz="quarter" idx="4"/>
+          </p:nvPr>
+        </p:nvSpPr>
+        <p:spPr>
+          <a:xfrm>
+            <a:off x="0" y="8685213"/>
+            <a:ext cx="2971800" cy="458787"/>
+          </a:xfrm>
+          <a:prstGeom prst="rect">
+            <a:avLst/>
+          </a:prstGeom>
+        </p:spPr>
+        <p:txBody>
+          <a:bodyPr vert="horz" lIns="91440" tIns="45720" rIns="91440" bIns="45720" rtlCol="0" anchor="b"/>
+          <a:lstStyle>
+            <a:lvl1pPr algn="l">
+              <a:defRPr sz="1200"/>
+            </a:lvl1pPr>
+          </a:lstStyle>
+          <a:p>
+            <a:endParaRPr lang="ko-KR" altLang="en-US"/>
+          </a:p>
+        </p:txBody>
+      </p:sp>
+      <p:sp>
+        <p:nvSpPr>
+          <p:cNvPr id="7" name="슬라이드 번호 개체 틀 6"/>
+          <p:cNvSpPr>
+            <a:spLocks noGrp="1"/>
+          </p:cNvSpPr>
+          <p:nvPr>
+            <p:ph type="sldNum" sz="quarter" idx="5"/>
+          </p:nvPr>
+        </p:nvSpPr>
+        <p:spPr>
+          <a:xfrm>
+            <a:off x="3884613" y="8685213"/>
+            <a:ext cx="2971800" cy="458787"/>
+          </a:xfrm>
+          <a:prstGeom prst="rect">
+            <a:avLst/>
+          </a:prstGeom>
+        </p:spPr>
+        <p:txBody>
+          <a:bodyPr vert="horz" lIns="91440" tIns="45720" rIns="91440" bIns="45720" rtlCol="0" anchor="b"/>
+          <a:lstStyle>
+            <a:lvl1pPr algn="r">
+              <a:defRPr sz="1200"/>
+            </a:lvl1pPr>
+          </a:lstStyle>
+          <a:p>
+            <a:fld id="{E3748A52-27CF-4143-A0ED-EEBD7A025DD3}" type="slidenum">
+              <a:rPr lang="ko-KR" altLang="en-US" smtClean="0"/>
+              <a:t>‹#›</a:t>
+            </a:fld>
+            <a:endParaRPr lang="ko-KR" altLang="en-US"/>
+          </a:p>
+        </p:txBody>
+      </p:sp>
+    </p:spTree>
+    <p:extLst>
+      <p:ext uri="{BB962C8B-B14F-4D97-AF65-F5344CB8AC3E}">
+        <p14:creationId xmlns:p14="http://schemas.microsoft.com/office/powerpoint/2010/main" val="1440743094"/>
+      </p:ext>
+    </p:extLst>
+  </p:cSld>
+  <p:clrMap bg1="lt1" tx1="dk1" bg2="lt2" tx2="dk2" accent1="accent1" accent2="accent2" accent3="accent3" accent4="accent4" accent5="accent5" accent6="accent6" hlink="hlink" folHlink="folHlink"/>
+  <p:notesStyle>
+    <a:lvl1pPr marL="0" algn="l" defTabSz="914400" rtl="0" eaLnBrk="1" latinLnBrk="1" hangingPunct="1">
+      <a:defRPr sz="1200" kern="1200">
+        <a:solidFill>
+          <a:schemeClr val="tx1"/>
+        </a:solidFill>
+        <a:latin typeface="+mn-lt"/>
+        <a:ea typeface="+mn-ea"/>
+        <a:cs typeface="+mn-cs"/>
+      </a:defRPr>
+    </a:lvl1pPr>
+    <a:lvl2pPr marL="457200" algn="l" defTabSz="914400" rtl="0" eaLnBrk="1" latinLnBrk="1" hangingPunct="1">
+      <a:defRPr sz="1200" kern="1200">
+        <a:solidFill>
+          <a:schemeClr val="tx1"/>
+        </a:solidFill>
+        <a:latin typeface="+mn-lt"/>
+        <a:ea typeface="+mn-ea"/>
+        <a:cs typeface="+mn-cs"/>
+      </a:defRPr>
+    </a:lvl2pPr>
+    <a:lvl3pPr marL="914400" algn="l" defTabSz="914400" rtl="0" eaLnBrk="1" latinLnBrk="1" hangingPunct="1">
+      <a:defRPr sz="1200" kern="1200">
+        <a:solidFill>
+          <a:schemeClr val="tx1"/>
+        </a:solidFill>
+        <a:latin typeface="+mn-lt"/>
+        <a:ea typeface="+mn-ea"/>
+        <a:cs typeface="+mn-cs"/>
+      </a:defRPr>
+    </a:lvl3pPr>
+    <a:lvl4pPr marL="1371600" algn="l" defTabSz="914400" rtl="0" eaLnBrk="1" latinLnBrk="1" hangingPunct="1">
+      <a:defRPr sz="1200" kern="1200">
+        <a:solidFill>
+          <a:schemeClr val="tx1"/>
+        </a:solidFill>
+        <a:latin typeface="+mn-lt"/>
+        <a:ea typeface="+mn-ea"/>
+        <a:cs typeface="+mn-cs"/>
+      </a:defRPr>
+    </a:lvl4pPr>
+    <a:lvl5pPr marL="1828800" algn="l" defTabSz="914400" rtl="0" eaLnBrk="1" latinLnBrk="1" hangingPunct="1">
+      <a:defRPr sz="1200" kern="1200">
+        <a:solidFill>
+          <a:schemeClr val="tx1"/>
+        </a:solidFill>
+        <a:latin typeface="+mn-lt"/>
+        <a:ea typeface="+mn-ea"/>
+        <a:cs typeface="+mn-cs"/>
+      </a:defRPr>
+    </a:lvl5pPr>
+    <a:lvl6pPr marL="2286000" algn="l" defTabSz="914400" rtl="0" eaLnBrk="1" latinLnBrk="1" hangingPunct="1">
+      <a:defRPr sz="1200" kern="1200">
+        <a:solidFill>
+          <a:schemeClr val="tx1"/>
+        </a:solidFill>
+        <a:latin typeface="+mn-lt"/>
+        <a:ea typeface="+mn-ea"/>
+        <a:cs typeface="+mn-cs"/>
+      </a:defRPr>
+    </a:lvl6pPr>
+    <a:lvl7pPr marL="2743200" algn="l" defTabSz="914400" rtl="0" eaLnBrk="1" latinLnBrk="1" hangingPunct="1">
+      <a:defRPr sz="1200" kern="1200">
+        <a:solidFill>
+          <a:schemeClr val="tx1"/>
+        </a:solidFill>
+        <a:latin typeface="+mn-lt"/>
+        <a:ea typeface="+mn-ea"/>
+        <a:cs typeface="+mn-cs"/>
+      </a:defRPr>
+    </a:lvl7pPr>
+    <a:lvl8pPr marL="3200400" algn="l" defTabSz="914400" rtl="0" eaLnBrk="1" latinLnBrk="1" hangingPunct="1">
+      <a:defRPr sz="1200" kern="1200">
+        <a:solidFill>
+          <a:schemeClr val="tx1"/>
+        </a:solidFill>
+        <a:latin typeface="+mn-lt"/>
+        <a:ea typeface="+mn-ea"/>
+        <a:cs typeface="+mn-cs"/>
+      </a:defRPr>
+    </a:lvl8pPr>
+    <a:lvl9pPr marL="3657600" algn="l" defTabSz="914400" rtl="0" eaLnBrk="1" latinLnBrk="1" hangingPunct="1">
+      <a:defRPr sz="1200" kern="1200">
+        <a:solidFill>
+          <a:schemeClr val="tx1"/>
+        </a:solidFill>
+        <a:latin typeface="+mn-lt"/>
+        <a:ea typeface="+mn-ea"/>
+        <a:cs typeface="+mn-cs"/>
+      </a:defRPr>
+    </a:lvl9pPr>
+  </p:notesStyle>
+</p:notesMaster>
 </file>
 
 <file path=ppt/slideLayouts/slideLayout1.xml><?xml version="1.0" encoding="utf-8"?>
@@ -254,7 +612,7 @@
           <a:p>
             <a:fld id="{79F9A7EF-C5B6-4D69-B396-546F3E3489C9}" type="datetimeFigureOut">
               <a:rPr lang="ko-KR" altLang="en-US" smtClean="0"/>
-              <a:t>2021-07-08</a:t>
+              <a:t>2021-07-14</a:t>
             </a:fld>
             <a:endParaRPr lang="ko-KR" altLang="en-US"/>
           </a:p>
@@ -452,7 +810,7 @@
           <a:p>
             <a:fld id="{79F9A7EF-C5B6-4D69-B396-546F3E3489C9}" type="datetimeFigureOut">
               <a:rPr lang="ko-KR" altLang="en-US" smtClean="0"/>
-              <a:t>2021-07-08</a:t>
+              <a:t>2021-07-14</a:t>
             </a:fld>
             <a:endParaRPr lang="ko-KR" altLang="en-US"/>
           </a:p>
@@ -660,7 +1018,7 @@
           <a:p>
             <a:fld id="{79F9A7EF-C5B6-4D69-B396-546F3E3489C9}" type="datetimeFigureOut">
               <a:rPr lang="ko-KR" altLang="en-US" smtClean="0"/>
-              <a:t>2021-07-08</a:t>
+              <a:t>2021-07-14</a:t>
             </a:fld>
             <a:endParaRPr lang="ko-KR" altLang="en-US"/>
           </a:p>
@@ -858,7 +1216,7 @@
           <a:p>
             <a:fld id="{79F9A7EF-C5B6-4D69-B396-546F3E3489C9}" type="datetimeFigureOut">
               <a:rPr lang="ko-KR" altLang="en-US" smtClean="0"/>
-              <a:t>2021-07-08</a:t>
+              <a:t>2021-07-14</a:t>
             </a:fld>
             <a:endParaRPr lang="ko-KR" altLang="en-US"/>
           </a:p>
@@ -1133,7 +1491,7 @@
           <a:p>
             <a:fld id="{79F9A7EF-C5B6-4D69-B396-546F3E3489C9}" type="datetimeFigureOut">
               <a:rPr lang="ko-KR" altLang="en-US" smtClean="0"/>
-              <a:t>2021-07-08</a:t>
+              <a:t>2021-07-14</a:t>
             </a:fld>
             <a:endParaRPr lang="ko-KR" altLang="en-US"/>
           </a:p>
@@ -1398,7 +1756,7 @@
           <a:p>
             <a:fld id="{79F9A7EF-C5B6-4D69-B396-546F3E3489C9}" type="datetimeFigureOut">
               <a:rPr lang="ko-KR" altLang="en-US" smtClean="0"/>
-              <a:t>2021-07-08</a:t>
+              <a:t>2021-07-14</a:t>
             </a:fld>
             <a:endParaRPr lang="ko-KR" altLang="en-US"/>
           </a:p>
@@ -1810,7 +2168,7 @@
           <a:p>
             <a:fld id="{79F9A7EF-C5B6-4D69-B396-546F3E3489C9}" type="datetimeFigureOut">
               <a:rPr lang="ko-KR" altLang="en-US" smtClean="0"/>
-              <a:t>2021-07-08</a:t>
+              <a:t>2021-07-14</a:t>
             </a:fld>
             <a:endParaRPr lang="ko-KR" altLang="en-US"/>
           </a:p>
@@ -1951,7 +2309,7 @@
           <a:p>
             <a:fld id="{79F9A7EF-C5B6-4D69-B396-546F3E3489C9}" type="datetimeFigureOut">
               <a:rPr lang="ko-KR" altLang="en-US" smtClean="0"/>
-              <a:t>2021-07-08</a:t>
+              <a:t>2021-07-14</a:t>
             </a:fld>
             <a:endParaRPr lang="ko-KR" altLang="en-US"/>
           </a:p>
@@ -2064,7 +2422,7 @@
           <a:p>
             <a:fld id="{79F9A7EF-C5B6-4D69-B396-546F3E3489C9}" type="datetimeFigureOut">
               <a:rPr lang="ko-KR" altLang="en-US" smtClean="0"/>
-              <a:t>2021-07-08</a:t>
+              <a:t>2021-07-14</a:t>
             </a:fld>
             <a:endParaRPr lang="ko-KR" altLang="en-US"/>
           </a:p>
@@ -2375,7 +2733,7 @@
           <a:p>
             <a:fld id="{79F9A7EF-C5B6-4D69-B396-546F3E3489C9}" type="datetimeFigureOut">
               <a:rPr lang="ko-KR" altLang="en-US" smtClean="0"/>
-              <a:t>2021-07-08</a:t>
+              <a:t>2021-07-14</a:t>
             </a:fld>
             <a:endParaRPr lang="ko-KR" altLang="en-US"/>
           </a:p>
@@ -2663,7 +3021,7 @@
           <a:p>
             <a:fld id="{79F9A7EF-C5B6-4D69-B396-546F3E3489C9}" type="datetimeFigureOut">
               <a:rPr lang="ko-KR" altLang="en-US" smtClean="0"/>
-              <a:t>2021-07-08</a:t>
+              <a:t>2021-07-14</a:t>
             </a:fld>
             <a:endParaRPr lang="ko-KR" altLang="en-US"/>
           </a:p>
@@ -2904,7 +3262,7 @@
           <a:p>
             <a:fld id="{79F9A7EF-C5B6-4D69-B396-546F3E3489C9}" type="datetimeFigureOut">
               <a:rPr lang="ko-KR" altLang="en-US" smtClean="0"/>
-              <a:t>2021-07-08</a:t>
+              <a:t>2021-07-14</a:t>
             </a:fld>
             <a:endParaRPr lang="ko-KR" altLang="en-US"/>
           </a:p>
@@ -6088,10 +6446,3681 @@
           </a:p>
         </p:txBody>
       </p:sp>
+      <p:sp>
+        <p:nvSpPr>
+          <p:cNvPr id="34" name="TextBox 33">
+            <a:extLst>
+              <a:ext uri="{FF2B5EF4-FFF2-40B4-BE49-F238E27FC236}">
+                <a16:creationId xmlns:a16="http://schemas.microsoft.com/office/drawing/2014/main" id="{C87CE7C4-9BB0-4E16-A8C0-51D944CCA8FE}"/>
+              </a:ext>
+            </a:extLst>
+          </p:cNvPr>
+          <p:cNvSpPr txBox="1"/>
+          <p:nvPr/>
+        </p:nvSpPr>
+        <p:spPr>
+          <a:xfrm>
+            <a:off x="4591251" y="2971868"/>
+            <a:ext cx="4754763" cy="2391021"/>
+          </a:xfrm>
+          <a:prstGeom prst="roundRect">
+            <a:avLst/>
+          </a:prstGeom>
+          <a:ln w="12700">
+            <a:solidFill>
+              <a:schemeClr val="accent2"/>
+            </a:solidFill>
+            <a:prstDash val="lgDash"/>
+          </a:ln>
+        </p:spPr>
+        <p:txBody>
+          <a:bodyPr vert="horz" lIns="91440" tIns="45720" rIns="91440" bIns="45720" rtlCol="0">
+            <a:normAutofit/>
+          </a:bodyPr>
+          <a:lstStyle/>
+          <a:p>
+            <a:pPr latinLnBrk="0">
+              <a:lnSpc>
+                <a:spcPct val="90000"/>
+              </a:lnSpc>
+              <a:spcAft>
+                <a:spcPts val="600"/>
+              </a:spcAft>
+            </a:pPr>
+            <a:r>
+              <a:rPr lang="en-US" altLang="ko-KR" sz="1000" dirty="0">
+                <a:latin typeface="에스코어 드림 3 Light" panose="020B0303030302020204" pitchFamily="34" charset="-127"/>
+                <a:ea typeface="에스코어 드림 3 Light" panose="020B0303030302020204" pitchFamily="34" charset="-127"/>
+              </a:rPr>
+              <a:t>df[‘column’] =&gt; </a:t>
+            </a:r>
+            <a:r>
+              <a:rPr lang="ko-KR" altLang="en-US" sz="1000" dirty="0">
+                <a:latin typeface="에스코어 드림 3 Light" panose="020B0303030302020204" pitchFamily="34" charset="-127"/>
+                <a:ea typeface="에스코어 드림 3 Light" panose="020B0303030302020204" pitchFamily="34" charset="-127"/>
+              </a:rPr>
+              <a:t>해당하는 열만 인덱싱 된다</a:t>
+            </a:r>
+            <a:r>
+              <a:rPr lang="en-US" altLang="ko-KR" sz="1000" dirty="0">
+                <a:latin typeface="에스코어 드림 3 Light" panose="020B0303030302020204" pitchFamily="34" charset="-127"/>
+                <a:ea typeface="에스코어 드림 3 Light" panose="020B0303030302020204" pitchFamily="34" charset="-127"/>
+              </a:rPr>
+              <a:t>.</a:t>
+            </a:r>
+          </a:p>
+          <a:p>
+            <a:pPr latinLnBrk="0">
+              <a:lnSpc>
+                <a:spcPct val="90000"/>
+              </a:lnSpc>
+              <a:spcAft>
+                <a:spcPts val="600"/>
+              </a:spcAft>
+            </a:pPr>
+            <a:r>
+              <a:rPr lang="en-US" altLang="ko-KR" sz="1000" dirty="0">
+                <a:latin typeface="에스코어 드림 3 Light" panose="020B0303030302020204" pitchFamily="34" charset="-127"/>
+                <a:ea typeface="에스코어 드림 3 Light" panose="020B0303030302020204" pitchFamily="34" charset="-127"/>
+              </a:rPr>
+              <a:t>df[[‘column1’, ‘column2’]] =&gt; </a:t>
+            </a:r>
+            <a:r>
+              <a:rPr lang="ko-KR" altLang="en-US" sz="1000" dirty="0">
+                <a:latin typeface="에스코어 드림 3 Light" panose="020B0303030302020204" pitchFamily="34" charset="-127"/>
+                <a:ea typeface="에스코어 드림 3 Light" panose="020B0303030302020204" pitchFamily="34" charset="-127"/>
+              </a:rPr>
+              <a:t>해당하는 열들이 인덱싱 된다</a:t>
+            </a:r>
+            <a:r>
+              <a:rPr lang="en-US" altLang="ko-KR" sz="1000" dirty="0">
+                <a:latin typeface="에스코어 드림 3 Light" panose="020B0303030302020204" pitchFamily="34" charset="-127"/>
+                <a:ea typeface="에스코어 드림 3 Light" panose="020B0303030302020204" pitchFamily="34" charset="-127"/>
+              </a:rPr>
+              <a:t>.</a:t>
+            </a:r>
+          </a:p>
+          <a:p>
+            <a:pPr latinLnBrk="0">
+              <a:lnSpc>
+                <a:spcPct val="90000"/>
+              </a:lnSpc>
+              <a:spcAft>
+                <a:spcPts val="600"/>
+              </a:spcAft>
+            </a:pPr>
+            <a:r>
+              <a:rPr lang="en-US" altLang="ko-KR" sz="1000" dirty="0" err="1">
+                <a:latin typeface="에스코어 드림 3 Light" panose="020B0303030302020204" pitchFamily="34" charset="-127"/>
+                <a:ea typeface="에스코어 드림 3 Light" panose="020B0303030302020204" pitchFamily="34" charset="-127"/>
+              </a:rPr>
+              <a:t>df.loc</a:t>
+            </a:r>
+            <a:r>
+              <a:rPr lang="en-US" altLang="ko-KR" sz="1000" dirty="0">
+                <a:latin typeface="에스코어 드림 3 Light" panose="020B0303030302020204" pitchFamily="34" charset="-127"/>
+                <a:ea typeface="에스코어 드림 3 Light" panose="020B0303030302020204" pitchFamily="34" charset="-127"/>
+              </a:rPr>
+              <a:t>[“row”, “column”] =&gt; </a:t>
+            </a:r>
+            <a:r>
+              <a:rPr lang="ko-KR" altLang="en-US" sz="1000" dirty="0">
+                <a:latin typeface="에스코어 드림 3 Light" panose="020B0303030302020204" pitchFamily="34" charset="-127"/>
+                <a:ea typeface="에스코어 드림 3 Light" panose="020B0303030302020204" pitchFamily="34" charset="-127"/>
+              </a:rPr>
+              <a:t>해당하는 </a:t>
+            </a:r>
+            <a:r>
+              <a:rPr lang="en-US" altLang="ko-KR" sz="1000" dirty="0">
+                <a:latin typeface="에스코어 드림 3 Light" panose="020B0303030302020204" pitchFamily="34" charset="-127"/>
+                <a:ea typeface="에스코어 드림 3 Light" panose="020B0303030302020204" pitchFamily="34" charset="-127"/>
+              </a:rPr>
+              <a:t>row(</a:t>
+            </a:r>
+            <a:r>
+              <a:rPr lang="ko-KR" altLang="en-US" sz="1000" dirty="0">
+                <a:latin typeface="에스코어 드림 3 Light" panose="020B0303030302020204" pitchFamily="34" charset="-127"/>
+                <a:ea typeface="에스코어 드림 3 Light" panose="020B0303030302020204" pitchFamily="34" charset="-127"/>
+              </a:rPr>
+              <a:t>행</a:t>
+            </a:r>
+            <a:r>
+              <a:rPr lang="en-US" altLang="ko-KR" sz="1000" dirty="0">
+                <a:latin typeface="에스코어 드림 3 Light" panose="020B0303030302020204" pitchFamily="34" charset="-127"/>
+                <a:ea typeface="에스코어 드림 3 Light" panose="020B0303030302020204" pitchFamily="34" charset="-127"/>
+              </a:rPr>
+              <a:t>)</a:t>
+            </a:r>
+            <a:r>
+              <a:rPr lang="ko-KR" altLang="en-US" sz="1000" dirty="0">
+                <a:latin typeface="에스코어 드림 3 Light" panose="020B0303030302020204" pitchFamily="34" charset="-127"/>
+                <a:ea typeface="에스코어 드림 3 Light" panose="020B0303030302020204" pitchFamily="34" charset="-127"/>
+              </a:rPr>
+              <a:t> </a:t>
+            </a:r>
+            <a:r>
+              <a:rPr lang="en-US" altLang="ko-KR" sz="1000" dirty="0">
+                <a:latin typeface="에스코어 드림 3 Light" panose="020B0303030302020204" pitchFamily="34" charset="-127"/>
+                <a:ea typeface="에스코어 드림 3 Light" panose="020B0303030302020204" pitchFamily="34" charset="-127"/>
+              </a:rPr>
+              <a:t>+</a:t>
+            </a:r>
+            <a:r>
+              <a:rPr lang="ko-KR" altLang="en-US" sz="1000" dirty="0">
+                <a:latin typeface="에스코어 드림 3 Light" panose="020B0303030302020204" pitchFamily="34" charset="-127"/>
+                <a:ea typeface="에스코어 드림 3 Light" panose="020B0303030302020204" pitchFamily="34" charset="-127"/>
+              </a:rPr>
+              <a:t> 해당하는 열이 인덱싱 된다</a:t>
+            </a:r>
+            <a:r>
+              <a:rPr lang="en-US" altLang="ko-KR" sz="1000" dirty="0">
+                <a:latin typeface="에스코어 드림 3 Light" panose="020B0303030302020204" pitchFamily="34" charset="-127"/>
+                <a:ea typeface="에스코어 드림 3 Light" panose="020B0303030302020204" pitchFamily="34" charset="-127"/>
+              </a:rPr>
+              <a:t>.</a:t>
+            </a:r>
+          </a:p>
+          <a:p>
+            <a:pPr latinLnBrk="0">
+              <a:lnSpc>
+                <a:spcPct val="90000"/>
+              </a:lnSpc>
+              <a:spcAft>
+                <a:spcPts val="600"/>
+              </a:spcAft>
+            </a:pPr>
+            <a:r>
+              <a:rPr lang="en-US" altLang="ko-KR" sz="1000" dirty="0" err="1">
+                <a:latin typeface="에스코어 드림 3 Light" panose="020B0303030302020204" pitchFamily="34" charset="-127"/>
+                <a:ea typeface="에스코어 드림 3 Light" panose="020B0303030302020204" pitchFamily="34" charset="-127"/>
+              </a:rPr>
+              <a:t>df.loc</a:t>
+            </a:r>
+            <a:r>
+              <a:rPr lang="en-US" altLang="ko-KR" sz="1000" dirty="0">
+                <a:latin typeface="에스코어 드림 3 Light" panose="020B0303030302020204" pitchFamily="34" charset="-127"/>
+                <a:ea typeface="에스코어 드림 3 Light" panose="020B0303030302020204" pitchFamily="34" charset="-127"/>
+              </a:rPr>
+              <a:t>[ </a:t>
+            </a:r>
+            <a:r>
+              <a:rPr lang="en-US" altLang="ko-KR" sz="1000" dirty="0" err="1">
+                <a:latin typeface="에스코어 드림 3 Light" panose="020B0303030302020204" pitchFamily="34" charset="-127"/>
+                <a:ea typeface="에스코어 드림 3 Light" panose="020B0303030302020204" pitchFamily="34" charset="-127"/>
+              </a:rPr>
+              <a:t>i</a:t>
+            </a:r>
+            <a:r>
+              <a:rPr lang="en-US" altLang="ko-KR" sz="1000" dirty="0">
+                <a:latin typeface="에스코어 드림 3 Light" panose="020B0303030302020204" pitchFamily="34" charset="-127"/>
+                <a:ea typeface="에스코어 드림 3 Light" panose="020B0303030302020204" pitchFamily="34" charset="-127"/>
+              </a:rPr>
+              <a:t> : n ] =&gt; </a:t>
+            </a:r>
+            <a:r>
+              <a:rPr lang="en-US" altLang="ko-KR" sz="1000" dirty="0" err="1">
+                <a:latin typeface="에스코어 드림 3 Light" panose="020B0303030302020204" pitchFamily="34" charset="-127"/>
+                <a:ea typeface="에스코어 드림 3 Light" panose="020B0303030302020204" pitchFamily="34" charset="-127"/>
+              </a:rPr>
+              <a:t>i</a:t>
+            </a:r>
+            <a:r>
+              <a:rPr lang="en-US" altLang="ko-KR" sz="1000" dirty="0">
+                <a:latin typeface="에스코어 드림 3 Light" panose="020B0303030302020204" pitchFamily="34" charset="-127"/>
+                <a:ea typeface="에스코어 드림 3 Light" panose="020B0303030302020204" pitchFamily="34" charset="-127"/>
+              </a:rPr>
+              <a:t> </a:t>
+            </a:r>
+            <a:r>
+              <a:rPr lang="ko-KR" altLang="en-US" sz="1000" dirty="0">
+                <a:latin typeface="에스코어 드림 3 Light" panose="020B0303030302020204" pitchFamily="34" charset="-127"/>
+                <a:ea typeface="에스코어 드림 3 Light" panose="020B0303030302020204" pitchFamily="34" charset="-127"/>
+              </a:rPr>
+              <a:t>부터 </a:t>
+            </a:r>
+            <a:r>
+              <a:rPr lang="en-US" altLang="ko-KR" sz="1000" dirty="0">
+                <a:latin typeface="에스코어 드림 3 Light" panose="020B0303030302020204" pitchFamily="34" charset="-127"/>
+                <a:ea typeface="에스코어 드림 3 Light" panose="020B0303030302020204" pitchFamily="34" charset="-127"/>
+              </a:rPr>
+              <a:t>n </a:t>
+            </a:r>
+            <a:r>
+              <a:rPr lang="ko-KR" altLang="en-US" sz="1000" dirty="0">
+                <a:latin typeface="에스코어 드림 3 Light" panose="020B0303030302020204" pitchFamily="34" charset="-127"/>
+                <a:ea typeface="에스코어 드림 3 Light" panose="020B0303030302020204" pitchFamily="34" charset="-127"/>
+              </a:rPr>
+              <a:t>까지 인덱싱</a:t>
+            </a:r>
+            <a:endParaRPr lang="en-US" altLang="ko-KR" sz="1000" dirty="0">
+              <a:latin typeface="에스코어 드림 3 Light" panose="020B0303030302020204" pitchFamily="34" charset="-127"/>
+              <a:ea typeface="에스코어 드림 3 Light" panose="020B0303030302020204" pitchFamily="34" charset="-127"/>
+            </a:endParaRPr>
+          </a:p>
+          <a:p>
+            <a:pPr latinLnBrk="0">
+              <a:lnSpc>
+                <a:spcPct val="90000"/>
+              </a:lnSpc>
+              <a:spcAft>
+                <a:spcPts val="600"/>
+              </a:spcAft>
+            </a:pPr>
+            <a:endParaRPr lang="en-US" altLang="ko-KR" sz="1000" dirty="0">
+              <a:latin typeface="에스코어 드림 3 Light" panose="020B0303030302020204" pitchFamily="34" charset="-127"/>
+              <a:ea typeface="에스코어 드림 3 Light" panose="020B0303030302020204" pitchFamily="34" charset="-127"/>
+            </a:endParaRPr>
+          </a:p>
+        </p:txBody>
+      </p:sp>
+      <p:sp>
+        <p:nvSpPr>
+          <p:cNvPr id="38" name="사각형: 둥근 모서리 37">
+            <a:extLst>
+              <a:ext uri="{FF2B5EF4-FFF2-40B4-BE49-F238E27FC236}">
+                <a16:creationId xmlns:a16="http://schemas.microsoft.com/office/drawing/2014/main" id="{D9027019-8048-4DFA-99B4-F9860FF89260}"/>
+              </a:ext>
+            </a:extLst>
+          </p:cNvPr>
+          <p:cNvSpPr/>
+          <p:nvPr/>
+        </p:nvSpPr>
+        <p:spPr>
+          <a:xfrm>
+            <a:off x="4777333" y="2788314"/>
+            <a:ext cx="1879316" cy="285701"/>
+          </a:xfrm>
+          <a:prstGeom prst="roundRect">
+            <a:avLst/>
+          </a:prstGeom>
+        </p:spPr>
+        <p:style>
+          <a:lnRef idx="2">
+            <a:schemeClr val="accent2">
+              <a:shade val="50000"/>
+            </a:schemeClr>
+          </a:lnRef>
+          <a:fillRef idx="1">
+            <a:schemeClr val="accent2"/>
+          </a:fillRef>
+          <a:effectRef idx="0">
+            <a:schemeClr val="accent2"/>
+          </a:effectRef>
+          <a:fontRef idx="minor">
+            <a:schemeClr val="lt1"/>
+          </a:fontRef>
+        </p:style>
+        <p:txBody>
+          <a:bodyPr rtlCol="0" anchor="ctr"/>
+          <a:lstStyle/>
+          <a:p>
+            <a:pPr algn="ctr"/>
+            <a:r>
+              <a:rPr lang="ko-KR" altLang="en-US" sz="1500">
+                <a:latin typeface="이사만루체 Light" panose="00000300000000000000" pitchFamily="2" charset="-127"/>
+                <a:ea typeface="이사만루체 Light" panose="00000300000000000000" pitchFamily="2" charset="-127"/>
+              </a:rPr>
+              <a:t>데이터프레임 인덱싱</a:t>
+            </a:r>
+            <a:endParaRPr lang="ko-KR" altLang="en-US" sz="1500" dirty="0">
+              <a:latin typeface="이사만루체 Light" panose="00000300000000000000" pitchFamily="2" charset="-127"/>
+              <a:ea typeface="이사만루체 Light" panose="00000300000000000000" pitchFamily="2" charset="-127"/>
+            </a:endParaRPr>
+          </a:p>
+        </p:txBody>
+      </p:sp>
+      <p:pic>
+        <p:nvPicPr>
+          <p:cNvPr id="3" name="그림 2">
+            <a:extLst>
+              <a:ext uri="{FF2B5EF4-FFF2-40B4-BE49-F238E27FC236}">
+                <a16:creationId xmlns:a16="http://schemas.microsoft.com/office/drawing/2014/main" id="{CFFF46AF-3FA6-4E8C-8ACF-2CA6B401116D}"/>
+              </a:ext>
+            </a:extLst>
+          </p:cNvPr>
+          <p:cNvPicPr>
+            <a:picLocks noChangeAspect="1"/>
+          </p:cNvPicPr>
+          <p:nvPr/>
+        </p:nvPicPr>
+        <p:blipFill>
+          <a:blip r:embed="rId8"/>
+          <a:stretch>
+            <a:fillRect/>
+          </a:stretch>
+        </p:blipFill>
+        <p:spPr>
+          <a:xfrm>
+            <a:off x="4754836" y="3961866"/>
+            <a:ext cx="847843" cy="1124107"/>
+          </a:xfrm>
+          <a:prstGeom prst="rect">
+            <a:avLst/>
+          </a:prstGeom>
+        </p:spPr>
+      </p:pic>
+      <p:pic>
+        <p:nvPicPr>
+          <p:cNvPr id="5" name="그림 4">
+            <a:extLst>
+              <a:ext uri="{FF2B5EF4-FFF2-40B4-BE49-F238E27FC236}">
+                <a16:creationId xmlns:a16="http://schemas.microsoft.com/office/drawing/2014/main" id="{F1F59288-192E-4DDF-BEB8-E7ED6FAA24C6}"/>
+              </a:ext>
+            </a:extLst>
+          </p:cNvPr>
+          <p:cNvPicPr>
+            <a:picLocks noChangeAspect="1"/>
+          </p:cNvPicPr>
+          <p:nvPr/>
+        </p:nvPicPr>
+        <p:blipFill>
+          <a:blip r:embed="rId9"/>
+          <a:stretch>
+            <a:fillRect/>
+          </a:stretch>
+        </p:blipFill>
+        <p:spPr>
+          <a:xfrm>
+            <a:off x="5716991" y="3964177"/>
+            <a:ext cx="1292736" cy="1121796"/>
+          </a:xfrm>
+          <a:prstGeom prst="rect">
+            <a:avLst/>
+          </a:prstGeom>
+        </p:spPr>
+      </p:pic>
+      <p:pic>
+        <p:nvPicPr>
+          <p:cNvPr id="7" name="그림 6">
+            <a:extLst>
+              <a:ext uri="{FF2B5EF4-FFF2-40B4-BE49-F238E27FC236}">
+                <a16:creationId xmlns:a16="http://schemas.microsoft.com/office/drawing/2014/main" id="{506AA571-130E-431D-AE9F-E05399080983}"/>
+              </a:ext>
+            </a:extLst>
+          </p:cNvPr>
+          <p:cNvPicPr>
+            <a:picLocks noChangeAspect="1"/>
+          </p:cNvPicPr>
+          <p:nvPr/>
+        </p:nvPicPr>
+        <p:blipFill>
+          <a:blip r:embed="rId10"/>
+          <a:stretch>
+            <a:fillRect/>
+          </a:stretch>
+        </p:blipFill>
+        <p:spPr>
+          <a:xfrm>
+            <a:off x="7165822" y="3999563"/>
+            <a:ext cx="1309616" cy="517573"/>
+          </a:xfrm>
+          <a:prstGeom prst="rect">
+            <a:avLst/>
+          </a:prstGeom>
+        </p:spPr>
+      </p:pic>
+      <p:pic>
+        <p:nvPicPr>
+          <p:cNvPr id="12" name="그림 11">
+            <a:extLst>
+              <a:ext uri="{FF2B5EF4-FFF2-40B4-BE49-F238E27FC236}">
+                <a16:creationId xmlns:a16="http://schemas.microsoft.com/office/drawing/2014/main" id="{41E0CA6A-2A42-402A-A804-5F51741DECBE}"/>
+              </a:ext>
+            </a:extLst>
+          </p:cNvPr>
+          <p:cNvPicPr>
+            <a:picLocks noChangeAspect="1"/>
+          </p:cNvPicPr>
+          <p:nvPr/>
+        </p:nvPicPr>
+        <p:blipFill>
+          <a:blip r:embed="rId11"/>
+          <a:stretch>
+            <a:fillRect/>
+          </a:stretch>
+        </p:blipFill>
+        <p:spPr>
+          <a:xfrm>
+            <a:off x="7165822" y="4517136"/>
+            <a:ext cx="1309616" cy="652661"/>
+          </a:xfrm>
+          <a:prstGeom prst="rect">
+            <a:avLst/>
+          </a:prstGeom>
+        </p:spPr>
+      </p:pic>
     </p:spTree>
     <p:extLst>
       <p:ext uri="{BB962C8B-B14F-4D97-AF65-F5344CB8AC3E}">
         <p14:creationId xmlns:p14="http://schemas.microsoft.com/office/powerpoint/2010/main" val="482610289"/>
+      </p:ext>
+    </p:extLst>
+  </p:cSld>
+  <p:clrMapOvr>
+    <a:masterClrMapping/>
+  </p:clrMapOvr>
+</p:sld>
+</file>
+
+<file path=ppt/slides/slide2.xml><?xml version="1.0" encoding="utf-8"?>
+<p:sld xmlns:a="http://schemas.openxmlformats.org/drawingml/2006/main" xmlns:r="http://schemas.openxmlformats.org/officeDocument/2006/relationships" xmlns:p="http://schemas.openxmlformats.org/presentationml/2006/main">
+  <p:cSld>
+    <p:spTree>
+      <p:nvGrpSpPr>
+        <p:cNvPr id="1" name=""/>
+        <p:cNvGrpSpPr/>
+        <p:nvPr/>
+      </p:nvGrpSpPr>
+      <p:grpSpPr>
+        <a:xfrm>
+          <a:off x="0" y="0"/>
+          <a:ext cx="0" cy="0"/>
+          <a:chOff x="0" y="0"/>
+          <a:chExt cx="0" cy="0"/>
+        </a:xfrm>
+      </p:grpSpPr>
+      <p:pic>
+        <p:nvPicPr>
+          <p:cNvPr id="51" name="그림 50">
+            <a:extLst>
+              <a:ext uri="{FF2B5EF4-FFF2-40B4-BE49-F238E27FC236}">
+                <a16:creationId xmlns:a16="http://schemas.microsoft.com/office/drawing/2014/main" id="{EB62761B-9098-48C1-AD13-A2EAAD5C83DD}"/>
+              </a:ext>
+            </a:extLst>
+          </p:cNvPr>
+          <p:cNvPicPr>
+            <a:picLocks noChangeAspect="1"/>
+          </p:cNvPicPr>
+          <p:nvPr/>
+        </p:nvPicPr>
+        <p:blipFill>
+          <a:blip r:embed="rId2"/>
+          <a:stretch>
+            <a:fillRect/>
+          </a:stretch>
+        </p:blipFill>
+        <p:spPr>
+          <a:xfrm>
+            <a:off x="9453354" y="1487821"/>
+            <a:ext cx="2287542" cy="718744"/>
+          </a:xfrm>
+          <a:prstGeom prst="rect">
+            <a:avLst/>
+          </a:prstGeom>
+        </p:spPr>
+      </p:pic>
+      <p:sp>
+        <p:nvSpPr>
+          <p:cNvPr id="45" name="직사각형 44">
+            <a:extLst>
+              <a:ext uri="{FF2B5EF4-FFF2-40B4-BE49-F238E27FC236}">
+                <a16:creationId xmlns:a16="http://schemas.microsoft.com/office/drawing/2014/main" id="{C91B832E-27BB-4F06-8AB8-E07E6A276005}"/>
+              </a:ext>
+            </a:extLst>
+          </p:cNvPr>
+          <p:cNvSpPr/>
+          <p:nvPr/>
+        </p:nvSpPr>
+        <p:spPr>
+          <a:xfrm>
+            <a:off x="5269830" y="1316324"/>
+            <a:ext cx="6851050" cy="5352832"/>
+          </a:xfrm>
+          <a:prstGeom prst="rect">
+            <a:avLst/>
+          </a:prstGeom>
+          <a:noFill/>
+          <a:ln>
+            <a:solidFill>
+              <a:schemeClr val="accent6">
+                <a:lumMod val="50000"/>
+              </a:schemeClr>
+            </a:solidFill>
+          </a:ln>
+        </p:spPr>
+        <p:style>
+          <a:lnRef idx="2">
+            <a:schemeClr val="accent1">
+              <a:shade val="50000"/>
+            </a:schemeClr>
+          </a:lnRef>
+          <a:fillRef idx="1">
+            <a:schemeClr val="accent1"/>
+          </a:fillRef>
+          <a:effectRef idx="0">
+            <a:schemeClr val="accent1"/>
+          </a:effectRef>
+          <a:fontRef idx="minor">
+            <a:schemeClr val="lt1"/>
+          </a:fontRef>
+        </p:style>
+        <p:txBody>
+          <a:bodyPr rtlCol="0" anchor="ctr"/>
+          <a:lstStyle/>
+          <a:p>
+            <a:pPr algn="ctr"/>
+            <a:endParaRPr lang="ko-KR" altLang="en-US"/>
+          </a:p>
+        </p:txBody>
+      </p:sp>
+      <p:sp>
+        <p:nvSpPr>
+          <p:cNvPr id="32" name="직사각형 31">
+            <a:extLst>
+              <a:ext uri="{FF2B5EF4-FFF2-40B4-BE49-F238E27FC236}">
+                <a16:creationId xmlns:a16="http://schemas.microsoft.com/office/drawing/2014/main" id="{71D5BFAD-30ED-476B-982E-EA23CAD89F90}"/>
+              </a:ext>
+            </a:extLst>
+          </p:cNvPr>
+          <p:cNvSpPr/>
+          <p:nvPr/>
+        </p:nvSpPr>
+        <p:spPr>
+          <a:xfrm>
+            <a:off x="145452" y="4518780"/>
+            <a:ext cx="4891770" cy="2286496"/>
+          </a:xfrm>
+          <a:prstGeom prst="rect">
+            <a:avLst/>
+          </a:prstGeom>
+          <a:noFill/>
+          <a:ln>
+            <a:solidFill>
+              <a:schemeClr val="accent1">
+                <a:lumMod val="50000"/>
+              </a:schemeClr>
+            </a:solidFill>
+          </a:ln>
+        </p:spPr>
+        <p:style>
+          <a:lnRef idx="2">
+            <a:schemeClr val="accent1">
+              <a:shade val="50000"/>
+            </a:schemeClr>
+          </a:lnRef>
+          <a:fillRef idx="1">
+            <a:schemeClr val="accent1"/>
+          </a:fillRef>
+          <a:effectRef idx="0">
+            <a:schemeClr val="accent1"/>
+          </a:effectRef>
+          <a:fontRef idx="minor">
+            <a:schemeClr val="lt1"/>
+          </a:fontRef>
+        </p:style>
+        <p:txBody>
+          <a:bodyPr rtlCol="0" anchor="ctr"/>
+          <a:lstStyle/>
+          <a:p>
+            <a:pPr algn="ctr"/>
+            <a:endParaRPr lang="ko-KR" altLang="en-US"/>
+          </a:p>
+        </p:txBody>
+      </p:sp>
+      <p:sp>
+        <p:nvSpPr>
+          <p:cNvPr id="31" name="직사각형 30">
+            <a:extLst>
+              <a:ext uri="{FF2B5EF4-FFF2-40B4-BE49-F238E27FC236}">
+                <a16:creationId xmlns:a16="http://schemas.microsoft.com/office/drawing/2014/main" id="{8A5E093D-F864-4BDB-A0B5-7703EEBC09B4}"/>
+              </a:ext>
+            </a:extLst>
+          </p:cNvPr>
+          <p:cNvSpPr/>
+          <p:nvPr/>
+        </p:nvSpPr>
+        <p:spPr>
+          <a:xfrm>
+            <a:off x="251126" y="4228134"/>
+            <a:ext cx="2344487" cy="546852"/>
+          </a:xfrm>
+          <a:prstGeom prst="rect">
+            <a:avLst/>
+          </a:prstGeom>
+          <a:solidFill>
+            <a:schemeClr val="bg1"/>
+          </a:solidFill>
+          <a:ln>
+            <a:noFill/>
+          </a:ln>
+        </p:spPr>
+        <p:style>
+          <a:lnRef idx="2">
+            <a:schemeClr val="accent1">
+              <a:shade val="50000"/>
+            </a:schemeClr>
+          </a:lnRef>
+          <a:fillRef idx="1">
+            <a:schemeClr val="accent1"/>
+          </a:fillRef>
+          <a:effectRef idx="0">
+            <a:schemeClr val="accent1"/>
+          </a:effectRef>
+          <a:fontRef idx="minor">
+            <a:schemeClr val="lt1"/>
+          </a:fontRef>
+        </p:style>
+        <p:txBody>
+          <a:bodyPr rtlCol="0" anchor="ctr"/>
+          <a:lstStyle/>
+          <a:p>
+            <a:pPr algn="ctr"/>
+            <a:r>
+              <a:rPr lang="ko-KR" altLang="en-US" dirty="0" err="1">
+                <a:solidFill>
+                  <a:schemeClr val="tx1"/>
+                </a:solidFill>
+                <a:latin typeface="에스코어 드림 9 Black" panose="020B0A03030302020204" pitchFamily="34" charset="-127"/>
+                <a:ea typeface="에스코어 드림 9 Black" panose="020B0A03030302020204" pitchFamily="34" charset="-127"/>
+              </a:rPr>
+              <a:t>꼬꼬마</a:t>
+            </a:r>
+            <a:r>
+              <a:rPr lang="ko-KR" altLang="en-US" dirty="0">
+                <a:solidFill>
+                  <a:schemeClr val="tx1"/>
+                </a:solidFill>
+                <a:latin typeface="에스코어 드림 9 Black" panose="020B0A03030302020204" pitchFamily="34" charset="-127"/>
+                <a:ea typeface="에스코어 드림 9 Black" panose="020B0A03030302020204" pitchFamily="34" charset="-127"/>
+              </a:rPr>
+              <a:t> 형태소 분석기</a:t>
+            </a:r>
+          </a:p>
+        </p:txBody>
+      </p:sp>
+      <p:sp>
+        <p:nvSpPr>
+          <p:cNvPr id="4" name="TextBox 3">
+            <a:extLst>
+              <a:ext uri="{FF2B5EF4-FFF2-40B4-BE49-F238E27FC236}">
+                <a16:creationId xmlns:a16="http://schemas.microsoft.com/office/drawing/2014/main" id="{51E86D8A-92DA-4251-9FC2-7C7CDF7E7929}"/>
+              </a:ext>
+            </a:extLst>
+          </p:cNvPr>
+          <p:cNvSpPr txBox="1"/>
+          <p:nvPr/>
+        </p:nvSpPr>
+        <p:spPr>
+          <a:xfrm>
+            <a:off x="240632" y="128338"/>
+            <a:ext cx="2261936" cy="477054"/>
+          </a:xfrm>
+          <a:prstGeom prst="rect">
+            <a:avLst/>
+          </a:prstGeom>
+          <a:noFill/>
+        </p:spPr>
+        <p:txBody>
+          <a:bodyPr wrap="square" rtlCol="0">
+            <a:spAutoFit/>
+          </a:bodyPr>
+          <a:lstStyle/>
+          <a:p>
+            <a:r>
+              <a:rPr lang="ko-KR" altLang="en-US" sz="2500" dirty="0">
+                <a:latin typeface="에스코어 드림 9 Black" panose="020B0A03030302020204" pitchFamily="34" charset="-127"/>
+                <a:ea typeface="에스코어 드림 9 Black" panose="020B0A03030302020204" pitchFamily="34" charset="-127"/>
+              </a:rPr>
+              <a:t>자연어 </a:t>
+            </a:r>
+            <a:r>
+              <a:rPr lang="ko-KR" altLang="en-US" sz="2500" dirty="0" err="1">
+                <a:latin typeface="에스코어 드림 9 Black" panose="020B0A03030302020204" pitchFamily="34" charset="-127"/>
+                <a:ea typeface="에스코어 드림 9 Black" panose="020B0A03030302020204" pitchFamily="34" charset="-127"/>
+              </a:rPr>
+              <a:t>전처리</a:t>
+            </a:r>
+            <a:endParaRPr lang="ko-KR" altLang="en-US" sz="2500" dirty="0">
+              <a:latin typeface="에스코어 드림 9 Black" panose="020B0A03030302020204" pitchFamily="34" charset="-127"/>
+              <a:ea typeface="에스코어 드림 9 Black" panose="020B0A03030302020204" pitchFamily="34" charset="-127"/>
+            </a:endParaRPr>
+          </a:p>
+        </p:txBody>
+      </p:sp>
+      <p:sp>
+        <p:nvSpPr>
+          <p:cNvPr id="27" name="직사각형 26">
+            <a:extLst>
+              <a:ext uri="{FF2B5EF4-FFF2-40B4-BE49-F238E27FC236}">
+                <a16:creationId xmlns:a16="http://schemas.microsoft.com/office/drawing/2014/main" id="{CC29ECD9-5D41-4F1C-BE32-9723E3AD662B}"/>
+              </a:ext>
+            </a:extLst>
+          </p:cNvPr>
+          <p:cNvSpPr/>
+          <p:nvPr/>
+        </p:nvSpPr>
+        <p:spPr>
+          <a:xfrm>
+            <a:off x="154004" y="1067609"/>
+            <a:ext cx="4883218" cy="3247724"/>
+          </a:xfrm>
+          <a:prstGeom prst="rect">
+            <a:avLst/>
+          </a:prstGeom>
+          <a:noFill/>
+          <a:ln w="9525" cap="flat" cmpd="sng" algn="ctr">
+            <a:solidFill>
+              <a:schemeClr val="accent2">
+                <a:lumMod val="50000"/>
+              </a:schemeClr>
+            </a:solidFill>
+            <a:prstDash val="solid"/>
+            <a:round/>
+            <a:headEnd type="none" w="med" len="med"/>
+            <a:tailEnd type="none" w="med" len="med"/>
+          </a:ln>
+        </p:spPr>
+        <p:style>
+          <a:lnRef idx="0">
+            <a:scrgbClr r="0" g="0" b="0"/>
+          </a:lnRef>
+          <a:fillRef idx="0">
+            <a:scrgbClr r="0" g="0" b="0"/>
+          </a:fillRef>
+          <a:effectRef idx="0">
+            <a:scrgbClr r="0" g="0" b="0"/>
+          </a:effectRef>
+          <a:fontRef idx="minor">
+            <a:schemeClr val="accent1"/>
+          </a:fontRef>
+        </p:style>
+        <p:txBody>
+          <a:bodyPr rtlCol="0" anchor="ctr"/>
+          <a:lstStyle/>
+          <a:p>
+            <a:pPr algn="ctr"/>
+            <a:endParaRPr lang="ko-KR" altLang="en-US"/>
+          </a:p>
+        </p:txBody>
+      </p:sp>
+      <p:sp>
+        <p:nvSpPr>
+          <p:cNvPr id="5" name="TextBox 4">
+            <a:extLst>
+              <a:ext uri="{FF2B5EF4-FFF2-40B4-BE49-F238E27FC236}">
+                <a16:creationId xmlns:a16="http://schemas.microsoft.com/office/drawing/2014/main" id="{77A70DA3-01A9-4DF3-8A96-5048D36A5198}"/>
+              </a:ext>
+            </a:extLst>
+          </p:cNvPr>
+          <p:cNvSpPr txBox="1"/>
+          <p:nvPr/>
+        </p:nvSpPr>
+        <p:spPr>
+          <a:xfrm>
+            <a:off x="2390278" y="281760"/>
+            <a:ext cx="4595528" cy="704151"/>
+          </a:xfrm>
+          <a:prstGeom prst="roundRect">
+            <a:avLst/>
+          </a:prstGeom>
+          <a:ln w="12700">
+            <a:solidFill>
+              <a:schemeClr val="accent2"/>
+            </a:solidFill>
+            <a:prstDash val="lgDash"/>
+          </a:ln>
+        </p:spPr>
+        <p:txBody>
+          <a:bodyPr vert="horz" lIns="91440" tIns="45720" rIns="91440" bIns="45720" rtlCol="0">
+            <a:noAutofit/>
+          </a:bodyPr>
+          <a:lstStyle/>
+          <a:p>
+            <a:pPr latinLnBrk="0">
+              <a:lnSpc>
+                <a:spcPct val="90000"/>
+              </a:lnSpc>
+              <a:spcAft>
+                <a:spcPts val="600"/>
+              </a:spcAft>
+            </a:pPr>
+            <a:r>
+              <a:rPr lang="en-US" altLang="ko-KR" sz="500" dirty="0">
+                <a:latin typeface="에스코어 드림 3 Light" panose="020B0303030302020204" pitchFamily="34" charset="-127"/>
+                <a:ea typeface="에스코어 드림 3 Light" panose="020B0303030302020204" pitchFamily="34" charset="-127"/>
+              </a:rPr>
+              <a:t> </a:t>
+            </a:r>
+          </a:p>
+          <a:p>
+            <a:pPr latinLnBrk="0">
+              <a:lnSpc>
+                <a:spcPct val="90000"/>
+              </a:lnSpc>
+              <a:spcAft>
+                <a:spcPts val="600"/>
+              </a:spcAft>
+            </a:pPr>
+            <a:r>
+              <a:rPr lang="en-US" altLang="ko-KR" sz="1000" dirty="0">
+                <a:latin typeface="에스코어 드림 3 Light" panose="020B0303030302020204" pitchFamily="34" charset="-127"/>
+                <a:ea typeface="에스코어 드림 3 Light" panose="020B0303030302020204" pitchFamily="34" charset="-127"/>
+              </a:rPr>
+              <a:t>import </a:t>
+            </a:r>
+            <a:r>
+              <a:rPr lang="en-US" altLang="ko-KR" sz="1000" dirty="0" err="1">
+                <a:latin typeface="에스코어 드림 3 Light" panose="020B0303030302020204" pitchFamily="34" charset="-127"/>
+                <a:ea typeface="에스코어 드림 3 Light" panose="020B0303030302020204" pitchFamily="34" charset="-127"/>
+              </a:rPr>
+              <a:t>kss</a:t>
+            </a:r>
+            <a:endParaRPr lang="en-US" altLang="ko-KR" sz="1000" dirty="0">
+              <a:latin typeface="에스코어 드림 3 Light" panose="020B0303030302020204" pitchFamily="34" charset="-127"/>
+              <a:ea typeface="에스코어 드림 3 Light" panose="020B0303030302020204" pitchFamily="34" charset="-127"/>
+            </a:endParaRPr>
+          </a:p>
+          <a:p>
+            <a:pPr latinLnBrk="0">
+              <a:lnSpc>
+                <a:spcPct val="90000"/>
+              </a:lnSpc>
+              <a:spcAft>
+                <a:spcPts val="600"/>
+              </a:spcAft>
+            </a:pPr>
+            <a:r>
+              <a:rPr lang="en-US" altLang="ko-KR" sz="1000" dirty="0" err="1">
+                <a:latin typeface="에스코어 드림 3 Light" panose="020B0303030302020204" pitchFamily="34" charset="-127"/>
+                <a:ea typeface="에스코어 드림 3 Light" panose="020B0303030302020204" pitchFamily="34" charset="-127"/>
+              </a:rPr>
+              <a:t>kss.split_sentences</a:t>
+            </a:r>
+            <a:r>
+              <a:rPr lang="en-US" altLang="ko-KR" sz="1000" dirty="0">
+                <a:latin typeface="에스코어 드림 3 Light" panose="020B0303030302020204" pitchFamily="34" charset="-127"/>
+                <a:ea typeface="에스코어 드림 3 Light" panose="020B0303030302020204" pitchFamily="34" charset="-127"/>
+              </a:rPr>
+              <a:t>(</a:t>
+            </a:r>
+            <a:r>
+              <a:rPr lang="ko-KR" altLang="en-US" sz="1000" dirty="0">
+                <a:latin typeface="에스코어 드림 3 Light" panose="020B0303030302020204" pitchFamily="34" charset="-127"/>
+                <a:ea typeface="에스코어 드림 3 Light" panose="020B0303030302020204" pitchFamily="34" charset="-127"/>
+              </a:rPr>
+              <a:t>문장</a:t>
+            </a:r>
+            <a:r>
+              <a:rPr lang="en-US" altLang="ko-KR" sz="1000" dirty="0">
+                <a:latin typeface="에스코어 드림 3 Light" panose="020B0303030302020204" pitchFamily="34" charset="-127"/>
+                <a:ea typeface="에스코어 드림 3 Light" panose="020B0303030302020204" pitchFamily="34" charset="-127"/>
+              </a:rPr>
+              <a:t>)</a:t>
+            </a:r>
+          </a:p>
+        </p:txBody>
+      </p:sp>
+      <p:sp>
+        <p:nvSpPr>
+          <p:cNvPr id="6" name="사각형: 둥근 모서리 5">
+            <a:extLst>
+              <a:ext uri="{FF2B5EF4-FFF2-40B4-BE49-F238E27FC236}">
+                <a16:creationId xmlns:a16="http://schemas.microsoft.com/office/drawing/2014/main" id="{D2BCC998-57A5-4B8C-9A9D-55DD53BF1073}"/>
+              </a:ext>
+            </a:extLst>
+          </p:cNvPr>
+          <p:cNvSpPr/>
+          <p:nvPr/>
+        </p:nvSpPr>
+        <p:spPr>
+          <a:xfrm>
+            <a:off x="2595613" y="52724"/>
+            <a:ext cx="1522531" cy="285701"/>
+          </a:xfrm>
+          <a:prstGeom prst="roundRect">
+            <a:avLst/>
+          </a:prstGeom>
+        </p:spPr>
+        <p:style>
+          <a:lnRef idx="2">
+            <a:schemeClr val="accent2">
+              <a:shade val="50000"/>
+            </a:schemeClr>
+          </a:lnRef>
+          <a:fillRef idx="1">
+            <a:schemeClr val="accent2"/>
+          </a:fillRef>
+          <a:effectRef idx="0">
+            <a:schemeClr val="accent2"/>
+          </a:effectRef>
+          <a:fontRef idx="minor">
+            <a:schemeClr val="lt1"/>
+          </a:fontRef>
+        </p:style>
+        <p:txBody>
+          <a:bodyPr rtlCol="0" anchor="ctr"/>
+          <a:lstStyle/>
+          <a:p>
+            <a:pPr algn="ctr"/>
+            <a:r>
+              <a:rPr lang="ko-KR" altLang="en-US" sz="1500" dirty="0">
+                <a:latin typeface="이사만루체 Light" panose="00000300000000000000" pitchFamily="2" charset="-127"/>
+                <a:ea typeface="이사만루체 Light" panose="00000300000000000000" pitchFamily="2" charset="-127"/>
+              </a:rPr>
+              <a:t>문장단위 토큰화</a:t>
+            </a:r>
+          </a:p>
+        </p:txBody>
+      </p:sp>
+      <p:pic>
+        <p:nvPicPr>
+          <p:cNvPr id="8" name="그림 7">
+            <a:extLst>
+              <a:ext uri="{FF2B5EF4-FFF2-40B4-BE49-F238E27FC236}">
+                <a16:creationId xmlns:a16="http://schemas.microsoft.com/office/drawing/2014/main" id="{92F7D9EC-73CE-4588-9635-A935D593CA64}"/>
+              </a:ext>
+            </a:extLst>
+          </p:cNvPr>
+          <p:cNvPicPr>
+            <a:picLocks noChangeAspect="1"/>
+          </p:cNvPicPr>
+          <p:nvPr/>
+        </p:nvPicPr>
+        <p:blipFill>
+          <a:blip r:embed="rId3"/>
+          <a:stretch>
+            <a:fillRect/>
+          </a:stretch>
+        </p:blipFill>
+        <p:spPr>
+          <a:xfrm>
+            <a:off x="4118144" y="344000"/>
+            <a:ext cx="2503636" cy="601020"/>
+          </a:xfrm>
+          <a:prstGeom prst="rect">
+            <a:avLst/>
+          </a:prstGeom>
+        </p:spPr>
+      </p:pic>
+      <p:sp>
+        <p:nvSpPr>
+          <p:cNvPr id="11" name="TextBox 10">
+            <a:extLst>
+              <a:ext uri="{FF2B5EF4-FFF2-40B4-BE49-F238E27FC236}">
+                <a16:creationId xmlns:a16="http://schemas.microsoft.com/office/drawing/2014/main" id="{8B48ACD2-DB36-4CBF-8570-6F807263EEA5}"/>
+              </a:ext>
+            </a:extLst>
+          </p:cNvPr>
+          <p:cNvSpPr txBox="1"/>
+          <p:nvPr/>
+        </p:nvSpPr>
+        <p:spPr>
+          <a:xfrm>
+            <a:off x="272717" y="1404088"/>
+            <a:ext cx="4595528" cy="863146"/>
+          </a:xfrm>
+          <a:prstGeom prst="roundRect">
+            <a:avLst/>
+          </a:prstGeom>
+          <a:ln w="12700">
+            <a:solidFill>
+              <a:schemeClr val="accent2"/>
+            </a:solidFill>
+            <a:prstDash val="lgDash"/>
+          </a:ln>
+        </p:spPr>
+        <p:txBody>
+          <a:bodyPr vert="horz" lIns="91440" tIns="45720" rIns="91440" bIns="45720" rtlCol="0">
+            <a:normAutofit/>
+          </a:bodyPr>
+          <a:lstStyle/>
+          <a:p>
+            <a:pPr latinLnBrk="0">
+              <a:lnSpc>
+                <a:spcPct val="90000"/>
+              </a:lnSpc>
+              <a:spcAft>
+                <a:spcPts val="600"/>
+              </a:spcAft>
+            </a:pPr>
+            <a:r>
+              <a:rPr lang="en-US" altLang="ko-KR" sz="1000" dirty="0">
+                <a:latin typeface="에스코어 드림 3 Light" panose="020B0303030302020204" pitchFamily="34" charset="-127"/>
+                <a:ea typeface="에스코어 드림 3 Light" panose="020B0303030302020204" pitchFamily="34" charset="-127"/>
+              </a:rPr>
+              <a:t>from </a:t>
+            </a:r>
+            <a:r>
+              <a:rPr lang="en-US" altLang="ko-KR" sz="1000" dirty="0" err="1">
+                <a:latin typeface="에스코어 드림 3 Light" panose="020B0303030302020204" pitchFamily="34" charset="-127"/>
+                <a:ea typeface="에스코어 드림 3 Light" panose="020B0303030302020204" pitchFamily="34" charset="-127"/>
+              </a:rPr>
+              <a:t>konlpy.tag</a:t>
+            </a:r>
+            <a:r>
+              <a:rPr lang="en-US" altLang="ko-KR" sz="1000" dirty="0">
+                <a:latin typeface="에스코어 드림 3 Light" panose="020B0303030302020204" pitchFamily="34" charset="-127"/>
+                <a:ea typeface="에스코어 드림 3 Light" panose="020B0303030302020204" pitchFamily="34" charset="-127"/>
+              </a:rPr>
+              <a:t> import </a:t>
+            </a:r>
+            <a:r>
+              <a:rPr lang="en-US" altLang="ko-KR" sz="1000" dirty="0" err="1">
+                <a:latin typeface="에스코어 드림 3 Light" panose="020B0303030302020204" pitchFamily="34" charset="-127"/>
+                <a:ea typeface="에스코어 드림 3 Light" panose="020B0303030302020204" pitchFamily="34" charset="-127"/>
+              </a:rPr>
+              <a:t>Okt</a:t>
+            </a:r>
+            <a:r>
+              <a:rPr lang="en-US" altLang="ko-KR" sz="1000" dirty="0">
+                <a:latin typeface="에스코어 드림 3 Light" panose="020B0303030302020204" pitchFamily="34" charset="-127"/>
+                <a:ea typeface="에스코어 드림 3 Light" panose="020B0303030302020204" pitchFamily="34" charset="-127"/>
+              </a:rPr>
+              <a:t>  </a:t>
+            </a:r>
+          </a:p>
+          <a:p>
+            <a:pPr latinLnBrk="0">
+              <a:lnSpc>
+                <a:spcPct val="90000"/>
+              </a:lnSpc>
+              <a:spcAft>
+                <a:spcPts val="600"/>
+              </a:spcAft>
+            </a:pPr>
+            <a:r>
+              <a:rPr lang="en-US" altLang="ko-KR" sz="1000" dirty="0" err="1">
+                <a:latin typeface="에스코어 드림 3 Light" panose="020B0303030302020204" pitchFamily="34" charset="-127"/>
+                <a:ea typeface="에스코어 드림 3 Light" panose="020B0303030302020204" pitchFamily="34" charset="-127"/>
+              </a:rPr>
+              <a:t>okt</a:t>
+            </a:r>
+            <a:r>
+              <a:rPr lang="en-US" altLang="ko-KR" sz="1000" dirty="0">
+                <a:latin typeface="에스코어 드림 3 Light" panose="020B0303030302020204" pitchFamily="34" charset="-127"/>
+                <a:ea typeface="에스코어 드림 3 Light" panose="020B0303030302020204" pitchFamily="34" charset="-127"/>
+              </a:rPr>
+              <a:t>=</a:t>
+            </a:r>
+            <a:r>
+              <a:rPr lang="en-US" altLang="ko-KR" sz="1000" dirty="0" err="1">
+                <a:latin typeface="에스코어 드림 3 Light" panose="020B0303030302020204" pitchFamily="34" charset="-127"/>
+                <a:ea typeface="에스코어 드림 3 Light" panose="020B0303030302020204" pitchFamily="34" charset="-127"/>
+              </a:rPr>
+              <a:t>Okt</a:t>
+            </a:r>
+            <a:r>
+              <a:rPr lang="en-US" altLang="ko-KR" sz="1000" dirty="0">
+                <a:latin typeface="에스코어 드림 3 Light" panose="020B0303030302020204" pitchFamily="34" charset="-127"/>
+                <a:ea typeface="에스코어 드림 3 Light" panose="020B0303030302020204" pitchFamily="34" charset="-127"/>
+              </a:rPr>
+              <a:t>() </a:t>
+            </a:r>
+          </a:p>
+          <a:p>
+            <a:pPr latinLnBrk="0">
+              <a:lnSpc>
+                <a:spcPct val="90000"/>
+              </a:lnSpc>
+              <a:spcAft>
+                <a:spcPts val="600"/>
+              </a:spcAft>
+            </a:pPr>
+            <a:r>
+              <a:rPr lang="en-US" altLang="ko-KR" sz="1000" dirty="0">
+                <a:latin typeface="에스코어 드림 3 Light" panose="020B0303030302020204" pitchFamily="34" charset="-127"/>
+                <a:ea typeface="에스코어 드림 3 Light" panose="020B0303030302020204" pitchFamily="34" charset="-127"/>
+              </a:rPr>
+              <a:t>print(</a:t>
+            </a:r>
+            <a:r>
+              <a:rPr lang="en-US" altLang="ko-KR" sz="1000" dirty="0" err="1">
+                <a:latin typeface="에스코어 드림 3 Light" panose="020B0303030302020204" pitchFamily="34" charset="-127"/>
+                <a:ea typeface="에스코어 드림 3 Light" panose="020B0303030302020204" pitchFamily="34" charset="-127"/>
+              </a:rPr>
+              <a:t>okt.morphs</a:t>
+            </a:r>
+            <a:r>
+              <a:rPr lang="en-US" altLang="ko-KR" sz="1000" dirty="0">
+                <a:latin typeface="에스코어 드림 3 Light" panose="020B0303030302020204" pitchFamily="34" charset="-127"/>
+                <a:ea typeface="에스코어 드림 3 Light" panose="020B0303030302020204" pitchFamily="34" charset="-127"/>
+              </a:rPr>
+              <a:t>(</a:t>
+            </a:r>
+            <a:r>
+              <a:rPr lang="ko-KR" altLang="en-US" sz="1000" dirty="0">
+                <a:latin typeface="에스코어 드림 3 Light" panose="020B0303030302020204" pitchFamily="34" charset="-127"/>
+                <a:ea typeface="에스코어 드림 3 Light" panose="020B0303030302020204" pitchFamily="34" charset="-127"/>
+              </a:rPr>
+              <a:t>문장</a:t>
+            </a:r>
+            <a:r>
+              <a:rPr lang="en-US" altLang="ko-KR" sz="1000" dirty="0">
+                <a:latin typeface="에스코어 드림 3 Light" panose="020B0303030302020204" pitchFamily="34" charset="-127"/>
+                <a:ea typeface="에스코어 드림 3 Light" panose="020B0303030302020204" pitchFamily="34" charset="-127"/>
+              </a:rPr>
+              <a:t>))</a:t>
+            </a:r>
+          </a:p>
+        </p:txBody>
+      </p:sp>
+      <p:sp>
+        <p:nvSpPr>
+          <p:cNvPr id="12" name="사각형: 둥근 모서리 11">
+            <a:extLst>
+              <a:ext uri="{FF2B5EF4-FFF2-40B4-BE49-F238E27FC236}">
+                <a16:creationId xmlns:a16="http://schemas.microsoft.com/office/drawing/2014/main" id="{50A0D200-BC34-4000-A0C6-5A5C63950116}"/>
+              </a:ext>
+            </a:extLst>
+          </p:cNvPr>
+          <p:cNvSpPr/>
+          <p:nvPr/>
+        </p:nvSpPr>
+        <p:spPr>
+          <a:xfrm>
+            <a:off x="386612" y="1202120"/>
+            <a:ext cx="1776532" cy="285701"/>
+          </a:xfrm>
+          <a:prstGeom prst="roundRect">
+            <a:avLst/>
+          </a:prstGeom>
+        </p:spPr>
+        <p:style>
+          <a:lnRef idx="2">
+            <a:schemeClr val="accent2">
+              <a:shade val="50000"/>
+            </a:schemeClr>
+          </a:lnRef>
+          <a:fillRef idx="1">
+            <a:schemeClr val="accent2"/>
+          </a:fillRef>
+          <a:effectRef idx="0">
+            <a:schemeClr val="accent2"/>
+          </a:effectRef>
+          <a:fontRef idx="minor">
+            <a:schemeClr val="lt1"/>
+          </a:fontRef>
+        </p:style>
+        <p:txBody>
+          <a:bodyPr rtlCol="0" anchor="ctr"/>
+          <a:lstStyle/>
+          <a:p>
+            <a:pPr algn="ctr"/>
+            <a:r>
+              <a:rPr lang="en-US" altLang="ko-KR" sz="1300" dirty="0">
+                <a:latin typeface="이사만루체 Light" panose="00000300000000000000" pitchFamily="2" charset="-127"/>
+                <a:ea typeface="이사만루체 Light" panose="00000300000000000000" pitchFamily="2" charset="-127"/>
+              </a:rPr>
+              <a:t>morphs : </a:t>
+            </a:r>
+            <a:r>
+              <a:rPr lang="ko-KR" altLang="en-US" sz="1300" dirty="0">
+                <a:latin typeface="이사만루체 Light" panose="00000300000000000000" pitchFamily="2" charset="-127"/>
+                <a:ea typeface="이사만루체 Light" panose="00000300000000000000" pitchFamily="2" charset="-127"/>
+              </a:rPr>
+              <a:t>형태소 추출</a:t>
+            </a:r>
+          </a:p>
+        </p:txBody>
+      </p:sp>
+      <p:pic>
+        <p:nvPicPr>
+          <p:cNvPr id="14" name="그림 13">
+            <a:extLst>
+              <a:ext uri="{FF2B5EF4-FFF2-40B4-BE49-F238E27FC236}">
+                <a16:creationId xmlns:a16="http://schemas.microsoft.com/office/drawing/2014/main" id="{1446E3C6-4BF7-418D-913F-83B467B69602}"/>
+              </a:ext>
+            </a:extLst>
+          </p:cNvPr>
+          <p:cNvPicPr>
+            <a:picLocks noChangeAspect="1"/>
+          </p:cNvPicPr>
+          <p:nvPr/>
+        </p:nvPicPr>
+        <p:blipFill>
+          <a:blip r:embed="rId4"/>
+          <a:stretch>
+            <a:fillRect/>
+          </a:stretch>
+        </p:blipFill>
+        <p:spPr>
+          <a:xfrm>
+            <a:off x="2000583" y="1536210"/>
+            <a:ext cx="2782889" cy="614728"/>
+          </a:xfrm>
+          <a:prstGeom prst="rect">
+            <a:avLst/>
+          </a:prstGeom>
+        </p:spPr>
+      </p:pic>
+      <p:sp>
+        <p:nvSpPr>
+          <p:cNvPr id="15" name="TextBox 14">
+            <a:extLst>
+              <a:ext uri="{FF2B5EF4-FFF2-40B4-BE49-F238E27FC236}">
+                <a16:creationId xmlns:a16="http://schemas.microsoft.com/office/drawing/2014/main" id="{3667EDC0-5E50-43D9-82EC-9CE68B669720}"/>
+              </a:ext>
+            </a:extLst>
+          </p:cNvPr>
+          <p:cNvSpPr txBox="1"/>
+          <p:nvPr/>
+        </p:nvSpPr>
+        <p:spPr>
+          <a:xfrm>
+            <a:off x="272717" y="2517591"/>
+            <a:ext cx="4595528" cy="714098"/>
+          </a:xfrm>
+          <a:prstGeom prst="roundRect">
+            <a:avLst/>
+          </a:prstGeom>
+          <a:ln w="12700">
+            <a:solidFill>
+              <a:schemeClr val="accent2"/>
+            </a:solidFill>
+            <a:prstDash val="lgDash"/>
+          </a:ln>
+        </p:spPr>
+        <p:txBody>
+          <a:bodyPr vert="horz" lIns="91440" tIns="45720" rIns="91440" bIns="45720" rtlCol="0">
+            <a:normAutofit/>
+          </a:bodyPr>
+          <a:lstStyle/>
+          <a:p>
+            <a:pPr latinLnBrk="0">
+              <a:lnSpc>
+                <a:spcPct val="90000"/>
+              </a:lnSpc>
+              <a:spcAft>
+                <a:spcPts val="600"/>
+              </a:spcAft>
+            </a:pPr>
+            <a:endParaRPr lang="en-US" altLang="ko-KR" sz="1000" dirty="0">
+              <a:latin typeface="에스코어 드림 3 Light" panose="020B0303030302020204" pitchFamily="34" charset="-127"/>
+              <a:ea typeface="에스코어 드림 3 Light" panose="020B0303030302020204" pitchFamily="34" charset="-127"/>
+            </a:endParaRPr>
+          </a:p>
+          <a:p>
+            <a:pPr latinLnBrk="0">
+              <a:lnSpc>
+                <a:spcPct val="90000"/>
+              </a:lnSpc>
+              <a:spcAft>
+                <a:spcPts val="600"/>
+              </a:spcAft>
+            </a:pPr>
+            <a:r>
+              <a:rPr lang="en-US" altLang="ko-KR" sz="1000" dirty="0">
+                <a:latin typeface="에스코어 드림 3 Light" panose="020B0303030302020204" pitchFamily="34" charset="-127"/>
+                <a:ea typeface="에스코어 드림 3 Light" panose="020B0303030302020204" pitchFamily="34" charset="-127"/>
+              </a:rPr>
+              <a:t>print(</a:t>
+            </a:r>
+            <a:r>
+              <a:rPr lang="en-US" altLang="ko-KR" sz="1000" dirty="0" err="1">
+                <a:latin typeface="에스코어 드림 3 Light" panose="020B0303030302020204" pitchFamily="34" charset="-127"/>
+                <a:ea typeface="에스코어 드림 3 Light" panose="020B0303030302020204" pitchFamily="34" charset="-127"/>
+              </a:rPr>
+              <a:t>okt.pos</a:t>
+            </a:r>
+            <a:r>
+              <a:rPr lang="en-US" altLang="ko-KR" sz="1000" dirty="0">
+                <a:latin typeface="에스코어 드림 3 Light" panose="020B0303030302020204" pitchFamily="34" charset="-127"/>
+                <a:ea typeface="에스코어 드림 3 Light" panose="020B0303030302020204" pitchFamily="34" charset="-127"/>
+              </a:rPr>
+              <a:t>(</a:t>
+            </a:r>
+            <a:r>
+              <a:rPr lang="ko-KR" altLang="en-US" sz="1000" dirty="0">
+                <a:latin typeface="에스코어 드림 3 Light" panose="020B0303030302020204" pitchFamily="34" charset="-127"/>
+                <a:ea typeface="에스코어 드림 3 Light" panose="020B0303030302020204" pitchFamily="34" charset="-127"/>
+              </a:rPr>
+              <a:t>문장</a:t>
+            </a:r>
+            <a:r>
+              <a:rPr lang="en-US" altLang="ko-KR" sz="1000" dirty="0">
+                <a:latin typeface="에스코어 드림 3 Light" panose="020B0303030302020204" pitchFamily="34" charset="-127"/>
+                <a:ea typeface="에스코어 드림 3 Light" panose="020B0303030302020204" pitchFamily="34" charset="-127"/>
+              </a:rPr>
+              <a:t>))</a:t>
+            </a:r>
+          </a:p>
+        </p:txBody>
+      </p:sp>
+      <p:sp>
+        <p:nvSpPr>
+          <p:cNvPr id="16" name="사각형: 둥근 모서리 15">
+            <a:extLst>
+              <a:ext uri="{FF2B5EF4-FFF2-40B4-BE49-F238E27FC236}">
+                <a16:creationId xmlns:a16="http://schemas.microsoft.com/office/drawing/2014/main" id="{387E26D1-D452-4F52-A6CA-64C6D92265CB}"/>
+              </a:ext>
+            </a:extLst>
+          </p:cNvPr>
+          <p:cNvSpPr/>
+          <p:nvPr/>
+        </p:nvSpPr>
+        <p:spPr>
+          <a:xfrm>
+            <a:off x="386612" y="2315623"/>
+            <a:ext cx="1395024" cy="285701"/>
+          </a:xfrm>
+          <a:prstGeom prst="roundRect">
+            <a:avLst/>
+          </a:prstGeom>
+        </p:spPr>
+        <p:style>
+          <a:lnRef idx="2">
+            <a:schemeClr val="accent2">
+              <a:shade val="50000"/>
+            </a:schemeClr>
+          </a:lnRef>
+          <a:fillRef idx="1">
+            <a:schemeClr val="accent2"/>
+          </a:fillRef>
+          <a:effectRef idx="0">
+            <a:schemeClr val="accent2"/>
+          </a:effectRef>
+          <a:fontRef idx="minor">
+            <a:schemeClr val="lt1"/>
+          </a:fontRef>
+        </p:style>
+        <p:txBody>
+          <a:bodyPr rtlCol="0" anchor="ctr"/>
+          <a:lstStyle/>
+          <a:p>
+            <a:pPr algn="ctr"/>
+            <a:r>
+              <a:rPr lang="en-US" altLang="ko-KR" sz="1300" dirty="0">
+                <a:latin typeface="이사만루체 Light" panose="00000300000000000000" pitchFamily="2" charset="-127"/>
+                <a:ea typeface="이사만루체 Light" panose="00000300000000000000" pitchFamily="2" charset="-127"/>
+              </a:rPr>
+              <a:t>pos : </a:t>
+            </a:r>
+            <a:r>
+              <a:rPr lang="ko-KR" altLang="en-US" sz="1300" dirty="0">
+                <a:latin typeface="이사만루체 Light" panose="00000300000000000000" pitchFamily="2" charset="-127"/>
+                <a:ea typeface="이사만루체 Light" panose="00000300000000000000" pitchFamily="2" charset="-127"/>
+              </a:rPr>
+              <a:t>품사 </a:t>
+            </a:r>
+            <a:r>
+              <a:rPr lang="ko-KR" altLang="en-US" sz="1300" dirty="0" err="1">
+                <a:latin typeface="이사만루체 Light" panose="00000300000000000000" pitchFamily="2" charset="-127"/>
+                <a:ea typeface="이사만루체 Light" panose="00000300000000000000" pitchFamily="2" charset="-127"/>
+              </a:rPr>
+              <a:t>태깅</a:t>
+            </a:r>
+            <a:endParaRPr lang="ko-KR" altLang="en-US" sz="1300" dirty="0">
+              <a:latin typeface="이사만루체 Light" panose="00000300000000000000" pitchFamily="2" charset="-127"/>
+              <a:ea typeface="이사만루체 Light" panose="00000300000000000000" pitchFamily="2" charset="-127"/>
+            </a:endParaRPr>
+          </a:p>
+        </p:txBody>
+      </p:sp>
+      <p:pic>
+        <p:nvPicPr>
+          <p:cNvPr id="18" name="그림 17">
+            <a:extLst>
+              <a:ext uri="{FF2B5EF4-FFF2-40B4-BE49-F238E27FC236}">
+                <a16:creationId xmlns:a16="http://schemas.microsoft.com/office/drawing/2014/main" id="{B608B187-B2A5-49F2-8687-1C1DF59481AD}"/>
+              </a:ext>
+            </a:extLst>
+          </p:cNvPr>
+          <p:cNvPicPr>
+            <a:picLocks noChangeAspect="1"/>
+          </p:cNvPicPr>
+          <p:nvPr/>
+        </p:nvPicPr>
+        <p:blipFill>
+          <a:blip r:embed="rId5"/>
+          <a:stretch>
+            <a:fillRect/>
+          </a:stretch>
+        </p:blipFill>
+        <p:spPr>
+          <a:xfrm>
+            <a:off x="1570362" y="2649713"/>
+            <a:ext cx="3213110" cy="466344"/>
+          </a:xfrm>
+          <a:prstGeom prst="rect">
+            <a:avLst/>
+          </a:prstGeom>
+        </p:spPr>
+      </p:pic>
+      <p:sp>
+        <p:nvSpPr>
+          <p:cNvPr id="19" name="TextBox 18">
+            <a:extLst>
+              <a:ext uri="{FF2B5EF4-FFF2-40B4-BE49-F238E27FC236}">
+                <a16:creationId xmlns:a16="http://schemas.microsoft.com/office/drawing/2014/main" id="{FFE44B0D-FB10-40B2-B699-F5A462DE777F}"/>
+              </a:ext>
+            </a:extLst>
+          </p:cNvPr>
+          <p:cNvSpPr txBox="1"/>
+          <p:nvPr/>
+        </p:nvSpPr>
+        <p:spPr>
+          <a:xfrm>
+            <a:off x="272717" y="3482046"/>
+            <a:ext cx="4595528" cy="714098"/>
+          </a:xfrm>
+          <a:prstGeom prst="roundRect">
+            <a:avLst/>
+          </a:prstGeom>
+          <a:ln w="12700">
+            <a:solidFill>
+              <a:schemeClr val="accent2"/>
+            </a:solidFill>
+            <a:prstDash val="lgDash"/>
+          </a:ln>
+        </p:spPr>
+        <p:txBody>
+          <a:bodyPr vert="horz" lIns="91440" tIns="45720" rIns="91440" bIns="45720" rtlCol="0">
+            <a:normAutofit/>
+          </a:bodyPr>
+          <a:lstStyle/>
+          <a:p>
+            <a:pPr latinLnBrk="0">
+              <a:lnSpc>
+                <a:spcPct val="90000"/>
+              </a:lnSpc>
+              <a:spcAft>
+                <a:spcPts val="600"/>
+              </a:spcAft>
+            </a:pPr>
+            <a:endParaRPr lang="en-US" altLang="ko-KR" sz="1000" dirty="0">
+              <a:latin typeface="에스코어 드림 3 Light" panose="020B0303030302020204" pitchFamily="34" charset="-127"/>
+              <a:ea typeface="에스코어 드림 3 Light" panose="020B0303030302020204" pitchFamily="34" charset="-127"/>
+            </a:endParaRPr>
+          </a:p>
+          <a:p>
+            <a:pPr latinLnBrk="0">
+              <a:lnSpc>
+                <a:spcPct val="90000"/>
+              </a:lnSpc>
+              <a:spcAft>
+                <a:spcPts val="600"/>
+              </a:spcAft>
+            </a:pPr>
+            <a:r>
+              <a:rPr lang="en-US" altLang="ko-KR" sz="1000" dirty="0">
+                <a:latin typeface="에스코어 드림 3 Light" panose="020B0303030302020204" pitchFamily="34" charset="-127"/>
+                <a:ea typeface="에스코어 드림 3 Light" panose="020B0303030302020204" pitchFamily="34" charset="-127"/>
+              </a:rPr>
+              <a:t>print(</a:t>
+            </a:r>
+            <a:r>
+              <a:rPr lang="en-US" altLang="ko-KR" sz="1000" dirty="0" err="1">
+                <a:latin typeface="에스코어 드림 3 Light" panose="020B0303030302020204" pitchFamily="34" charset="-127"/>
+                <a:ea typeface="에스코어 드림 3 Light" panose="020B0303030302020204" pitchFamily="34" charset="-127"/>
+              </a:rPr>
+              <a:t>okt.nouns</a:t>
+            </a:r>
+            <a:r>
+              <a:rPr lang="en-US" altLang="ko-KR" sz="1000" dirty="0">
+                <a:latin typeface="에스코어 드림 3 Light" panose="020B0303030302020204" pitchFamily="34" charset="-127"/>
+                <a:ea typeface="에스코어 드림 3 Light" panose="020B0303030302020204" pitchFamily="34" charset="-127"/>
+              </a:rPr>
+              <a:t>(</a:t>
+            </a:r>
+            <a:r>
+              <a:rPr lang="ko-KR" altLang="en-US" sz="1000" dirty="0">
+                <a:latin typeface="에스코어 드림 3 Light" panose="020B0303030302020204" pitchFamily="34" charset="-127"/>
+                <a:ea typeface="에스코어 드림 3 Light" panose="020B0303030302020204" pitchFamily="34" charset="-127"/>
+              </a:rPr>
+              <a:t>문장</a:t>
+            </a:r>
+            <a:r>
+              <a:rPr lang="en-US" altLang="ko-KR" sz="1000" dirty="0">
+                <a:latin typeface="에스코어 드림 3 Light" panose="020B0303030302020204" pitchFamily="34" charset="-127"/>
+                <a:ea typeface="에스코어 드림 3 Light" panose="020B0303030302020204" pitchFamily="34" charset="-127"/>
+              </a:rPr>
+              <a:t>)) </a:t>
+            </a:r>
+          </a:p>
+        </p:txBody>
+      </p:sp>
+      <p:sp>
+        <p:nvSpPr>
+          <p:cNvPr id="20" name="사각형: 둥근 모서리 19">
+            <a:extLst>
+              <a:ext uri="{FF2B5EF4-FFF2-40B4-BE49-F238E27FC236}">
+                <a16:creationId xmlns:a16="http://schemas.microsoft.com/office/drawing/2014/main" id="{8FF7C9B6-8D91-4FA1-B08F-78A61C3CB703}"/>
+              </a:ext>
+            </a:extLst>
+          </p:cNvPr>
+          <p:cNvSpPr/>
+          <p:nvPr/>
+        </p:nvSpPr>
+        <p:spPr>
+          <a:xfrm>
+            <a:off x="386612" y="3280078"/>
+            <a:ext cx="1443792" cy="285701"/>
+          </a:xfrm>
+          <a:prstGeom prst="roundRect">
+            <a:avLst/>
+          </a:prstGeom>
+        </p:spPr>
+        <p:style>
+          <a:lnRef idx="2">
+            <a:schemeClr val="accent2">
+              <a:shade val="50000"/>
+            </a:schemeClr>
+          </a:lnRef>
+          <a:fillRef idx="1">
+            <a:schemeClr val="accent2"/>
+          </a:fillRef>
+          <a:effectRef idx="0">
+            <a:schemeClr val="accent2"/>
+          </a:effectRef>
+          <a:fontRef idx="minor">
+            <a:schemeClr val="lt1"/>
+          </a:fontRef>
+        </p:style>
+        <p:txBody>
+          <a:bodyPr rtlCol="0" anchor="ctr"/>
+          <a:lstStyle/>
+          <a:p>
+            <a:pPr algn="l"/>
+            <a:r>
+              <a:rPr lang="en-US" altLang="ko-KR" sz="1300" b="1" i="0" dirty="0">
+                <a:solidFill>
+                  <a:schemeClr val="bg1"/>
+                </a:solidFill>
+                <a:effectLst/>
+                <a:latin typeface="이사만루체 Light" panose="00000300000000000000" pitchFamily="2" charset="-127"/>
+                <a:ea typeface="이사만루체 Light" panose="00000300000000000000" pitchFamily="2" charset="-127"/>
+              </a:rPr>
+              <a:t>nouns: </a:t>
+            </a:r>
+            <a:r>
+              <a:rPr lang="ko-KR" altLang="en-US" sz="1300" b="1" i="0" dirty="0">
+                <a:solidFill>
+                  <a:schemeClr val="bg1"/>
+                </a:solidFill>
+                <a:effectLst/>
+                <a:latin typeface="이사만루체 Light" panose="00000300000000000000" pitchFamily="2" charset="-127"/>
+                <a:ea typeface="이사만루체 Light" panose="00000300000000000000" pitchFamily="2" charset="-127"/>
+              </a:rPr>
+              <a:t>명사추출</a:t>
+            </a:r>
+          </a:p>
+        </p:txBody>
+      </p:sp>
+      <p:pic>
+        <p:nvPicPr>
+          <p:cNvPr id="22" name="그림 21">
+            <a:extLst>
+              <a:ext uri="{FF2B5EF4-FFF2-40B4-BE49-F238E27FC236}">
+                <a16:creationId xmlns:a16="http://schemas.microsoft.com/office/drawing/2014/main" id="{64AFF596-4A7D-4EF0-9981-344518981A5A}"/>
+              </a:ext>
+            </a:extLst>
+          </p:cNvPr>
+          <p:cNvPicPr>
+            <a:picLocks noChangeAspect="1"/>
+          </p:cNvPicPr>
+          <p:nvPr/>
+        </p:nvPicPr>
+        <p:blipFill>
+          <a:blip r:embed="rId6"/>
+          <a:stretch>
+            <a:fillRect/>
+          </a:stretch>
+        </p:blipFill>
+        <p:spPr>
+          <a:xfrm>
+            <a:off x="1695073" y="3608736"/>
+            <a:ext cx="3046507" cy="415433"/>
+          </a:xfrm>
+          <a:prstGeom prst="rect">
+            <a:avLst/>
+          </a:prstGeom>
+        </p:spPr>
+      </p:pic>
+      <p:sp>
+        <p:nvSpPr>
+          <p:cNvPr id="28" name="직사각형 27">
+            <a:extLst>
+              <a:ext uri="{FF2B5EF4-FFF2-40B4-BE49-F238E27FC236}">
+                <a16:creationId xmlns:a16="http://schemas.microsoft.com/office/drawing/2014/main" id="{11A79C83-6DC5-4B5C-A99E-CEB9FEC40243}"/>
+              </a:ext>
+            </a:extLst>
+          </p:cNvPr>
+          <p:cNvSpPr/>
+          <p:nvPr/>
+        </p:nvSpPr>
+        <p:spPr>
+          <a:xfrm>
+            <a:off x="284580" y="835757"/>
+            <a:ext cx="1013461" cy="369332"/>
+          </a:xfrm>
+          <a:prstGeom prst="rect">
+            <a:avLst/>
+          </a:prstGeom>
+          <a:solidFill>
+            <a:schemeClr val="bg1"/>
+          </a:solidFill>
+          <a:ln>
+            <a:noFill/>
+          </a:ln>
+        </p:spPr>
+        <p:style>
+          <a:lnRef idx="2">
+            <a:schemeClr val="accent1">
+              <a:shade val="50000"/>
+            </a:schemeClr>
+          </a:lnRef>
+          <a:fillRef idx="1">
+            <a:schemeClr val="accent1"/>
+          </a:fillRef>
+          <a:effectRef idx="0">
+            <a:schemeClr val="accent1"/>
+          </a:effectRef>
+          <a:fontRef idx="minor">
+            <a:schemeClr val="lt1"/>
+          </a:fontRef>
+        </p:style>
+        <p:txBody>
+          <a:bodyPr rtlCol="0" anchor="ctr"/>
+          <a:lstStyle/>
+          <a:p>
+            <a:pPr algn="ctr"/>
+            <a:endParaRPr lang="ko-KR" altLang="en-US"/>
+          </a:p>
+        </p:txBody>
+      </p:sp>
+      <p:sp>
+        <p:nvSpPr>
+          <p:cNvPr id="25" name="TextBox 24">
+            <a:extLst>
+              <a:ext uri="{FF2B5EF4-FFF2-40B4-BE49-F238E27FC236}">
+                <a16:creationId xmlns:a16="http://schemas.microsoft.com/office/drawing/2014/main" id="{87AAE704-768B-4762-A479-78EB4CA14CAE}"/>
+              </a:ext>
+            </a:extLst>
+          </p:cNvPr>
+          <p:cNvSpPr txBox="1"/>
+          <p:nvPr/>
+        </p:nvSpPr>
+        <p:spPr>
+          <a:xfrm>
+            <a:off x="313231" y="829967"/>
+            <a:ext cx="1075213" cy="369332"/>
+          </a:xfrm>
+          <a:prstGeom prst="rect">
+            <a:avLst/>
+          </a:prstGeom>
+          <a:noFill/>
+        </p:spPr>
+        <p:txBody>
+          <a:bodyPr wrap="square" rtlCol="0">
+            <a:spAutoFit/>
+          </a:bodyPr>
+          <a:lstStyle/>
+          <a:p>
+            <a:pPr algn="l"/>
+            <a:r>
+              <a:rPr lang="en-US" altLang="ko-KR" b="1" i="0" dirty="0" err="1">
+                <a:solidFill>
+                  <a:srgbClr val="000000"/>
+                </a:solidFill>
+                <a:effectLst/>
+                <a:latin typeface="Helvetica Neue"/>
+              </a:rPr>
+              <a:t>KoNLPy</a:t>
+            </a:r>
+            <a:endParaRPr lang="en-US" altLang="ko-KR" b="1" i="0" dirty="0">
+              <a:solidFill>
+                <a:srgbClr val="000000"/>
+              </a:solidFill>
+              <a:effectLst/>
+              <a:latin typeface="Helvetica Neue"/>
+            </a:endParaRPr>
+          </a:p>
+        </p:txBody>
+      </p:sp>
+      <p:sp>
+        <p:nvSpPr>
+          <p:cNvPr id="29" name="TextBox 28">
+            <a:extLst>
+              <a:ext uri="{FF2B5EF4-FFF2-40B4-BE49-F238E27FC236}">
+                <a16:creationId xmlns:a16="http://schemas.microsoft.com/office/drawing/2014/main" id="{E8A68A99-0B32-47CE-A098-2B1A407B02C4}"/>
+              </a:ext>
+            </a:extLst>
+          </p:cNvPr>
+          <p:cNvSpPr txBox="1"/>
+          <p:nvPr/>
+        </p:nvSpPr>
+        <p:spPr>
+          <a:xfrm>
+            <a:off x="269257" y="4772123"/>
+            <a:ext cx="4598987" cy="911684"/>
+          </a:xfrm>
+          <a:prstGeom prst="roundRect">
+            <a:avLst/>
+          </a:prstGeom>
+          <a:ln w="12700">
+            <a:solidFill>
+              <a:schemeClr val="accent1"/>
+            </a:solidFill>
+            <a:prstDash val="lgDash"/>
+          </a:ln>
+        </p:spPr>
+        <p:txBody>
+          <a:bodyPr vert="horz" lIns="91440" tIns="45720" rIns="91440" bIns="45720" rtlCol="0">
+            <a:normAutofit lnSpcReduction="10000"/>
+          </a:bodyPr>
+          <a:lstStyle/>
+          <a:p>
+            <a:pPr latinLnBrk="0">
+              <a:lnSpc>
+                <a:spcPct val="90000"/>
+              </a:lnSpc>
+              <a:spcAft>
+                <a:spcPts val="600"/>
+              </a:spcAft>
+            </a:pPr>
+            <a:endParaRPr lang="en-US" altLang="ko-KR" sz="900" dirty="0">
+              <a:latin typeface="에스코어 드림 3 Light" panose="020B0303030302020204" pitchFamily="34" charset="-127"/>
+              <a:ea typeface="에스코어 드림 3 Light" panose="020B0303030302020204" pitchFamily="34" charset="-127"/>
+            </a:endParaRPr>
+          </a:p>
+          <a:p>
+            <a:pPr latinLnBrk="0">
+              <a:lnSpc>
+                <a:spcPct val="90000"/>
+              </a:lnSpc>
+              <a:spcAft>
+                <a:spcPts val="600"/>
+              </a:spcAft>
+            </a:pPr>
+            <a:r>
+              <a:rPr lang="en-US" altLang="ko-KR" sz="1000" dirty="0">
+                <a:latin typeface="에스코어 드림 3 Light" panose="020B0303030302020204" pitchFamily="34" charset="-127"/>
+                <a:ea typeface="에스코어 드림 3 Light" panose="020B0303030302020204" pitchFamily="34" charset="-127"/>
+              </a:rPr>
+              <a:t>from </a:t>
+            </a:r>
+            <a:r>
+              <a:rPr lang="en-US" altLang="ko-KR" sz="1000" dirty="0" err="1">
+                <a:latin typeface="에스코어 드림 3 Light" panose="020B0303030302020204" pitchFamily="34" charset="-127"/>
+                <a:ea typeface="에스코어 드림 3 Light" panose="020B0303030302020204" pitchFamily="34" charset="-127"/>
+              </a:rPr>
+              <a:t>konlpy.tag</a:t>
+            </a:r>
+            <a:r>
+              <a:rPr lang="en-US" altLang="ko-KR" sz="1000" dirty="0">
+                <a:latin typeface="에스코어 드림 3 Light" panose="020B0303030302020204" pitchFamily="34" charset="-127"/>
+                <a:ea typeface="에스코어 드림 3 Light" panose="020B0303030302020204" pitchFamily="34" charset="-127"/>
+              </a:rPr>
+              <a:t> import </a:t>
+            </a:r>
+            <a:r>
+              <a:rPr lang="en-US" altLang="ko-KR" sz="1000" dirty="0" err="1">
+                <a:latin typeface="에스코어 드림 3 Light" panose="020B0303030302020204" pitchFamily="34" charset="-127"/>
+                <a:ea typeface="에스코어 드림 3 Light" panose="020B0303030302020204" pitchFamily="34" charset="-127"/>
+              </a:rPr>
+              <a:t>Kkma</a:t>
+            </a:r>
+            <a:r>
+              <a:rPr lang="en-US" altLang="ko-KR" sz="1000" dirty="0">
+                <a:latin typeface="에스코어 드림 3 Light" panose="020B0303030302020204" pitchFamily="34" charset="-127"/>
+                <a:ea typeface="에스코어 드림 3 Light" panose="020B0303030302020204" pitchFamily="34" charset="-127"/>
+              </a:rPr>
+              <a:t>  </a:t>
+            </a:r>
+          </a:p>
+          <a:p>
+            <a:pPr latinLnBrk="0">
+              <a:lnSpc>
+                <a:spcPct val="90000"/>
+              </a:lnSpc>
+              <a:spcAft>
+                <a:spcPts val="600"/>
+              </a:spcAft>
+            </a:pPr>
+            <a:r>
+              <a:rPr lang="en-US" altLang="ko-KR" sz="1000" dirty="0" err="1">
+                <a:latin typeface="에스코어 드림 3 Light" panose="020B0303030302020204" pitchFamily="34" charset="-127"/>
+                <a:ea typeface="에스코어 드림 3 Light" panose="020B0303030302020204" pitchFamily="34" charset="-127"/>
+              </a:rPr>
+              <a:t>kkma</a:t>
+            </a:r>
+            <a:r>
+              <a:rPr lang="en-US" altLang="ko-KR" sz="1000" dirty="0">
+                <a:latin typeface="에스코어 드림 3 Light" panose="020B0303030302020204" pitchFamily="34" charset="-127"/>
+                <a:ea typeface="에스코어 드림 3 Light" panose="020B0303030302020204" pitchFamily="34" charset="-127"/>
+              </a:rPr>
+              <a:t>=</a:t>
+            </a:r>
+            <a:r>
+              <a:rPr lang="en-US" altLang="ko-KR" sz="1000" dirty="0" err="1">
+                <a:latin typeface="에스코어 드림 3 Light" panose="020B0303030302020204" pitchFamily="34" charset="-127"/>
+                <a:ea typeface="에스코어 드림 3 Light" panose="020B0303030302020204" pitchFamily="34" charset="-127"/>
+              </a:rPr>
+              <a:t>Kkma</a:t>
+            </a:r>
+            <a:r>
+              <a:rPr lang="en-US" altLang="ko-KR" sz="1000" dirty="0">
+                <a:latin typeface="에스코어 드림 3 Light" panose="020B0303030302020204" pitchFamily="34" charset="-127"/>
+                <a:ea typeface="에스코어 드림 3 Light" panose="020B0303030302020204" pitchFamily="34" charset="-127"/>
+              </a:rPr>
+              <a:t>()  </a:t>
+            </a:r>
+          </a:p>
+          <a:p>
+            <a:pPr latinLnBrk="0">
+              <a:lnSpc>
+                <a:spcPct val="90000"/>
+              </a:lnSpc>
+              <a:spcAft>
+                <a:spcPts val="600"/>
+              </a:spcAft>
+            </a:pPr>
+            <a:r>
+              <a:rPr lang="en-US" altLang="ko-KR" sz="1000" dirty="0">
+                <a:latin typeface="에스코어 드림 3 Light" panose="020B0303030302020204" pitchFamily="34" charset="-127"/>
+                <a:ea typeface="에스코어 드림 3 Light" panose="020B0303030302020204" pitchFamily="34" charset="-127"/>
+              </a:rPr>
+              <a:t>print(</a:t>
+            </a:r>
+            <a:r>
+              <a:rPr lang="en-US" altLang="ko-KR" sz="1000" dirty="0" err="1">
+                <a:latin typeface="에스코어 드림 3 Light" panose="020B0303030302020204" pitchFamily="34" charset="-127"/>
+                <a:ea typeface="에스코어 드림 3 Light" panose="020B0303030302020204" pitchFamily="34" charset="-127"/>
+              </a:rPr>
+              <a:t>kkma.morphs</a:t>
+            </a:r>
+            <a:r>
+              <a:rPr lang="en-US" altLang="ko-KR" sz="1000" dirty="0">
+                <a:latin typeface="에스코어 드림 3 Light" panose="020B0303030302020204" pitchFamily="34" charset="-127"/>
+                <a:ea typeface="에스코어 드림 3 Light" panose="020B0303030302020204" pitchFamily="34" charset="-127"/>
+              </a:rPr>
+              <a:t>(</a:t>
+            </a:r>
+            <a:r>
+              <a:rPr lang="ko-KR" altLang="en-US" sz="1000" dirty="0">
+                <a:latin typeface="에스코어 드림 3 Light" panose="020B0303030302020204" pitchFamily="34" charset="-127"/>
+                <a:ea typeface="에스코어 드림 3 Light" panose="020B0303030302020204" pitchFamily="34" charset="-127"/>
+              </a:rPr>
+              <a:t>문장</a:t>
+            </a:r>
+            <a:r>
+              <a:rPr lang="en-US" altLang="ko-KR" sz="1000" dirty="0">
+                <a:latin typeface="에스코어 드림 3 Light" panose="020B0303030302020204" pitchFamily="34" charset="-127"/>
+                <a:ea typeface="에스코어 드림 3 Light" panose="020B0303030302020204" pitchFamily="34" charset="-127"/>
+              </a:rPr>
+              <a:t>))</a:t>
+            </a:r>
+          </a:p>
+        </p:txBody>
+      </p:sp>
+      <p:sp>
+        <p:nvSpPr>
+          <p:cNvPr id="30" name="사각형: 둥근 모서리 29">
+            <a:extLst>
+              <a:ext uri="{FF2B5EF4-FFF2-40B4-BE49-F238E27FC236}">
+                <a16:creationId xmlns:a16="http://schemas.microsoft.com/office/drawing/2014/main" id="{4AE49892-3CB3-4859-8444-40E2BCF95182}"/>
+              </a:ext>
+            </a:extLst>
+          </p:cNvPr>
+          <p:cNvSpPr/>
+          <p:nvPr/>
+        </p:nvSpPr>
+        <p:spPr>
+          <a:xfrm>
+            <a:off x="378926" y="4670571"/>
+            <a:ext cx="2161823" cy="293983"/>
+          </a:xfrm>
+          <a:prstGeom prst="roundRect">
+            <a:avLst/>
+          </a:prstGeom>
+        </p:spPr>
+        <p:style>
+          <a:lnRef idx="2">
+            <a:schemeClr val="accent1">
+              <a:shade val="50000"/>
+            </a:schemeClr>
+          </a:lnRef>
+          <a:fillRef idx="1">
+            <a:schemeClr val="accent1"/>
+          </a:fillRef>
+          <a:effectRef idx="0">
+            <a:schemeClr val="accent1"/>
+          </a:effectRef>
+          <a:fontRef idx="minor">
+            <a:schemeClr val="lt1"/>
+          </a:fontRef>
+        </p:style>
+        <p:txBody>
+          <a:bodyPr rtlCol="0" anchor="ctr"/>
+          <a:lstStyle/>
+          <a:p>
+            <a:pPr algn="ctr"/>
+            <a:r>
+              <a:rPr lang="en-US" altLang="ko-KR" sz="1600" dirty="0">
+                <a:latin typeface="이사만루체 Light" panose="00000300000000000000" pitchFamily="2" charset="-127"/>
+                <a:ea typeface="이사만루체 Light" panose="00000300000000000000" pitchFamily="2" charset="-127"/>
+              </a:rPr>
+              <a:t>morphs : </a:t>
+            </a:r>
+            <a:r>
+              <a:rPr lang="ko-KR" altLang="en-US" sz="1600" dirty="0">
+                <a:latin typeface="이사만루체 Light" panose="00000300000000000000" pitchFamily="2" charset="-127"/>
+                <a:ea typeface="이사만루체 Light" panose="00000300000000000000" pitchFamily="2" charset="-127"/>
+              </a:rPr>
+              <a:t>형태소 추출</a:t>
+            </a:r>
+          </a:p>
+        </p:txBody>
+      </p:sp>
+      <p:pic>
+        <p:nvPicPr>
+          <p:cNvPr id="35" name="그림 34">
+            <a:extLst>
+              <a:ext uri="{FF2B5EF4-FFF2-40B4-BE49-F238E27FC236}">
+                <a16:creationId xmlns:a16="http://schemas.microsoft.com/office/drawing/2014/main" id="{D9E6031F-A420-4FE8-B899-13F23D781BF9}"/>
+              </a:ext>
+            </a:extLst>
+          </p:cNvPr>
+          <p:cNvPicPr>
+            <a:picLocks noChangeAspect="1"/>
+          </p:cNvPicPr>
+          <p:nvPr/>
+        </p:nvPicPr>
+        <p:blipFill>
+          <a:blip r:embed="rId7"/>
+          <a:stretch>
+            <a:fillRect/>
+          </a:stretch>
+        </p:blipFill>
+        <p:spPr>
+          <a:xfrm>
+            <a:off x="2164825" y="5000330"/>
+            <a:ext cx="2660293" cy="638470"/>
+          </a:xfrm>
+          <a:prstGeom prst="rect">
+            <a:avLst/>
+          </a:prstGeom>
+        </p:spPr>
+      </p:pic>
+      <p:sp>
+        <p:nvSpPr>
+          <p:cNvPr id="36" name="TextBox 35">
+            <a:extLst>
+              <a:ext uri="{FF2B5EF4-FFF2-40B4-BE49-F238E27FC236}">
+                <a16:creationId xmlns:a16="http://schemas.microsoft.com/office/drawing/2014/main" id="{994A8AC2-0CBB-4669-AE7A-6704D0C7D4EF}"/>
+              </a:ext>
+            </a:extLst>
+          </p:cNvPr>
+          <p:cNvSpPr txBox="1"/>
+          <p:nvPr/>
+        </p:nvSpPr>
+        <p:spPr>
+          <a:xfrm>
+            <a:off x="278981" y="5828508"/>
+            <a:ext cx="4598987" cy="911684"/>
+          </a:xfrm>
+          <a:prstGeom prst="roundRect">
+            <a:avLst/>
+          </a:prstGeom>
+          <a:ln w="12700">
+            <a:solidFill>
+              <a:schemeClr val="accent1"/>
+            </a:solidFill>
+            <a:prstDash val="lgDash"/>
+          </a:ln>
+        </p:spPr>
+        <p:txBody>
+          <a:bodyPr vert="horz" lIns="91440" tIns="45720" rIns="91440" bIns="45720" rtlCol="0">
+            <a:normAutofit/>
+          </a:bodyPr>
+          <a:lstStyle/>
+          <a:p>
+            <a:pPr latinLnBrk="0">
+              <a:lnSpc>
+                <a:spcPct val="90000"/>
+              </a:lnSpc>
+              <a:spcAft>
+                <a:spcPts val="600"/>
+              </a:spcAft>
+            </a:pPr>
+            <a:endParaRPr lang="en-US" altLang="ko-KR" sz="1000" dirty="0">
+              <a:latin typeface="에스코어 드림 3 Light" panose="020B0303030302020204" pitchFamily="34" charset="-127"/>
+              <a:ea typeface="에스코어 드림 3 Light" panose="020B0303030302020204" pitchFamily="34" charset="-127"/>
+            </a:endParaRPr>
+          </a:p>
+          <a:p>
+            <a:pPr latinLnBrk="0">
+              <a:lnSpc>
+                <a:spcPct val="90000"/>
+              </a:lnSpc>
+              <a:spcAft>
+                <a:spcPts val="600"/>
+              </a:spcAft>
+            </a:pPr>
+            <a:r>
+              <a:rPr lang="en-US" altLang="ko-KR" sz="1000" dirty="0">
+                <a:latin typeface="에스코어 드림 3 Light" panose="020B0303030302020204" pitchFamily="34" charset="-127"/>
+                <a:ea typeface="에스코어 드림 3 Light" panose="020B0303030302020204" pitchFamily="34" charset="-127"/>
+              </a:rPr>
+              <a:t>print(</a:t>
+            </a:r>
+            <a:r>
+              <a:rPr lang="en-US" altLang="ko-KR" sz="1000" dirty="0" err="1">
+                <a:latin typeface="에스코어 드림 3 Light" panose="020B0303030302020204" pitchFamily="34" charset="-127"/>
+                <a:ea typeface="에스코어 드림 3 Light" panose="020B0303030302020204" pitchFamily="34" charset="-127"/>
+              </a:rPr>
+              <a:t>kkma.pos</a:t>
+            </a:r>
+            <a:r>
+              <a:rPr lang="en-US" altLang="ko-KR" sz="1000" dirty="0">
+                <a:latin typeface="에스코어 드림 3 Light" panose="020B0303030302020204" pitchFamily="34" charset="-127"/>
+                <a:ea typeface="에스코어 드림 3 Light" panose="020B0303030302020204" pitchFamily="34" charset="-127"/>
+              </a:rPr>
+              <a:t>(</a:t>
+            </a:r>
+            <a:r>
+              <a:rPr lang="ko-KR" altLang="en-US" sz="1000" dirty="0">
+                <a:latin typeface="에스코어 드림 3 Light" panose="020B0303030302020204" pitchFamily="34" charset="-127"/>
+                <a:ea typeface="에스코어 드림 3 Light" panose="020B0303030302020204" pitchFamily="34" charset="-127"/>
+              </a:rPr>
+              <a:t>문장</a:t>
+            </a:r>
+            <a:r>
+              <a:rPr lang="en-US" altLang="ko-KR" sz="1000" dirty="0">
+                <a:latin typeface="에스코어 드림 3 Light" panose="020B0303030302020204" pitchFamily="34" charset="-127"/>
+                <a:ea typeface="에스코어 드림 3 Light" panose="020B0303030302020204" pitchFamily="34" charset="-127"/>
+              </a:rPr>
+              <a:t>))</a:t>
+            </a:r>
+          </a:p>
+        </p:txBody>
+      </p:sp>
+      <p:sp>
+        <p:nvSpPr>
+          <p:cNvPr id="37" name="사각형: 둥근 모서리 36">
+            <a:extLst>
+              <a:ext uri="{FF2B5EF4-FFF2-40B4-BE49-F238E27FC236}">
+                <a16:creationId xmlns:a16="http://schemas.microsoft.com/office/drawing/2014/main" id="{BD185BF5-8567-4F89-806D-9C003C2EC504}"/>
+              </a:ext>
+            </a:extLst>
+          </p:cNvPr>
+          <p:cNvSpPr/>
+          <p:nvPr/>
+        </p:nvSpPr>
+        <p:spPr>
+          <a:xfrm>
+            <a:off x="388650" y="5726956"/>
+            <a:ext cx="2161823" cy="293983"/>
+          </a:xfrm>
+          <a:prstGeom prst="roundRect">
+            <a:avLst/>
+          </a:prstGeom>
+        </p:spPr>
+        <p:style>
+          <a:lnRef idx="2">
+            <a:schemeClr val="accent1">
+              <a:shade val="50000"/>
+            </a:schemeClr>
+          </a:lnRef>
+          <a:fillRef idx="1">
+            <a:schemeClr val="accent1"/>
+          </a:fillRef>
+          <a:effectRef idx="0">
+            <a:schemeClr val="accent1"/>
+          </a:effectRef>
+          <a:fontRef idx="minor">
+            <a:schemeClr val="lt1"/>
+          </a:fontRef>
+        </p:style>
+        <p:txBody>
+          <a:bodyPr rtlCol="0" anchor="ctr"/>
+          <a:lstStyle/>
+          <a:p>
+            <a:pPr algn="ctr"/>
+            <a:r>
+              <a:rPr lang="en-US" altLang="ko-KR" sz="1600" dirty="0">
+                <a:latin typeface="이사만루체 Light" panose="00000300000000000000" pitchFamily="2" charset="-127"/>
+                <a:ea typeface="이사만루체 Light" panose="00000300000000000000" pitchFamily="2" charset="-127"/>
+              </a:rPr>
+              <a:t>pos : </a:t>
+            </a:r>
+            <a:r>
+              <a:rPr lang="ko-KR" altLang="en-US" sz="1600" dirty="0">
+                <a:latin typeface="이사만루체 Light" panose="00000300000000000000" pitchFamily="2" charset="-127"/>
+                <a:ea typeface="이사만루체 Light" panose="00000300000000000000" pitchFamily="2" charset="-127"/>
+              </a:rPr>
+              <a:t>품사 </a:t>
+            </a:r>
+            <a:r>
+              <a:rPr lang="ko-KR" altLang="en-US" sz="1600" dirty="0" err="1">
+                <a:latin typeface="이사만루체 Light" panose="00000300000000000000" pitchFamily="2" charset="-127"/>
+                <a:ea typeface="이사만루체 Light" panose="00000300000000000000" pitchFamily="2" charset="-127"/>
+              </a:rPr>
+              <a:t>태깅</a:t>
+            </a:r>
+            <a:endParaRPr lang="ko-KR" altLang="en-US" sz="1600" dirty="0">
+              <a:latin typeface="이사만루체 Light" panose="00000300000000000000" pitchFamily="2" charset="-127"/>
+              <a:ea typeface="이사만루체 Light" panose="00000300000000000000" pitchFamily="2" charset="-127"/>
+            </a:endParaRPr>
+          </a:p>
+        </p:txBody>
+      </p:sp>
+      <p:pic>
+        <p:nvPicPr>
+          <p:cNvPr id="39" name="그림 38">
+            <a:extLst>
+              <a:ext uri="{FF2B5EF4-FFF2-40B4-BE49-F238E27FC236}">
+                <a16:creationId xmlns:a16="http://schemas.microsoft.com/office/drawing/2014/main" id="{BCAE7587-ABCF-44B9-A086-537E2CD24E4F}"/>
+              </a:ext>
+            </a:extLst>
+          </p:cNvPr>
+          <p:cNvPicPr>
+            <a:picLocks noChangeAspect="1"/>
+          </p:cNvPicPr>
+          <p:nvPr/>
+        </p:nvPicPr>
+        <p:blipFill>
+          <a:blip r:embed="rId8"/>
+          <a:stretch>
+            <a:fillRect/>
+          </a:stretch>
+        </p:blipFill>
+        <p:spPr>
+          <a:xfrm>
+            <a:off x="1732171" y="6099524"/>
+            <a:ext cx="3051301" cy="473555"/>
+          </a:xfrm>
+          <a:prstGeom prst="rect">
+            <a:avLst/>
+          </a:prstGeom>
+        </p:spPr>
+      </p:pic>
+      <p:sp>
+        <p:nvSpPr>
+          <p:cNvPr id="40" name="TextBox 39">
+            <a:extLst>
+              <a:ext uri="{FF2B5EF4-FFF2-40B4-BE49-F238E27FC236}">
+                <a16:creationId xmlns:a16="http://schemas.microsoft.com/office/drawing/2014/main" id="{3B211474-FDFA-4529-A629-FB8249E5F4A2}"/>
+              </a:ext>
+            </a:extLst>
+          </p:cNvPr>
+          <p:cNvSpPr txBox="1"/>
+          <p:nvPr/>
+        </p:nvSpPr>
+        <p:spPr>
+          <a:xfrm>
+            <a:off x="7188595" y="188844"/>
+            <a:ext cx="4598987" cy="797067"/>
+          </a:xfrm>
+          <a:prstGeom prst="roundRect">
+            <a:avLst/>
+          </a:prstGeom>
+          <a:ln w="12700">
+            <a:solidFill>
+              <a:schemeClr val="accent1"/>
+            </a:solidFill>
+            <a:prstDash val="lgDash"/>
+          </a:ln>
+        </p:spPr>
+        <p:txBody>
+          <a:bodyPr vert="horz" lIns="91440" tIns="45720" rIns="91440" bIns="45720" rtlCol="0">
+            <a:normAutofit/>
+          </a:bodyPr>
+          <a:lstStyle/>
+          <a:p>
+            <a:pPr latinLnBrk="0">
+              <a:lnSpc>
+                <a:spcPct val="90000"/>
+              </a:lnSpc>
+              <a:spcAft>
+                <a:spcPts val="600"/>
+              </a:spcAft>
+            </a:pPr>
+            <a:endParaRPr lang="en-US" altLang="ko-KR" sz="1000" dirty="0">
+              <a:latin typeface="에스코어 드림 3 Light" panose="020B0303030302020204" pitchFamily="34" charset="-127"/>
+              <a:ea typeface="에스코어 드림 3 Light" panose="020B0303030302020204" pitchFamily="34" charset="-127"/>
+            </a:endParaRPr>
+          </a:p>
+          <a:p>
+            <a:pPr latinLnBrk="0">
+              <a:lnSpc>
+                <a:spcPct val="90000"/>
+              </a:lnSpc>
+              <a:spcAft>
+                <a:spcPts val="600"/>
+              </a:spcAft>
+            </a:pPr>
+            <a:r>
+              <a:rPr lang="en-US" altLang="ko-KR" sz="1000" dirty="0">
+                <a:latin typeface="에스코어 드림 3 Light" panose="020B0303030302020204" pitchFamily="34" charset="-127"/>
+                <a:ea typeface="에스코어 드림 3 Light" panose="020B0303030302020204" pitchFamily="34" charset="-127"/>
+              </a:rPr>
+              <a:t>print(</a:t>
+            </a:r>
+            <a:r>
+              <a:rPr lang="en-US" altLang="ko-KR" sz="1000" dirty="0" err="1">
+                <a:latin typeface="에스코어 드림 3 Light" panose="020B0303030302020204" pitchFamily="34" charset="-127"/>
+                <a:ea typeface="에스코어 드림 3 Light" panose="020B0303030302020204" pitchFamily="34" charset="-127"/>
+              </a:rPr>
+              <a:t>kkma.nouns</a:t>
+            </a:r>
+            <a:r>
+              <a:rPr lang="en-US" altLang="ko-KR" sz="1000" dirty="0">
+                <a:latin typeface="에스코어 드림 3 Light" panose="020B0303030302020204" pitchFamily="34" charset="-127"/>
+                <a:ea typeface="에스코어 드림 3 Light" panose="020B0303030302020204" pitchFamily="34" charset="-127"/>
+              </a:rPr>
+              <a:t>(</a:t>
+            </a:r>
+            <a:r>
+              <a:rPr lang="ko-KR" altLang="en-US" sz="1000" dirty="0">
+                <a:latin typeface="에스코어 드림 3 Light" panose="020B0303030302020204" pitchFamily="34" charset="-127"/>
+                <a:ea typeface="에스코어 드림 3 Light" panose="020B0303030302020204" pitchFamily="34" charset="-127"/>
+              </a:rPr>
+              <a:t>문장</a:t>
+            </a:r>
+            <a:r>
+              <a:rPr lang="en-US" altLang="ko-KR" sz="1000" dirty="0">
+                <a:latin typeface="에스코어 드림 3 Light" panose="020B0303030302020204" pitchFamily="34" charset="-127"/>
+                <a:ea typeface="에스코어 드림 3 Light" panose="020B0303030302020204" pitchFamily="34" charset="-127"/>
+              </a:rPr>
+              <a:t>))</a:t>
+            </a:r>
+          </a:p>
+        </p:txBody>
+      </p:sp>
+      <p:sp>
+        <p:nvSpPr>
+          <p:cNvPr id="41" name="사각형: 둥근 모서리 40">
+            <a:extLst>
+              <a:ext uri="{FF2B5EF4-FFF2-40B4-BE49-F238E27FC236}">
+                <a16:creationId xmlns:a16="http://schemas.microsoft.com/office/drawing/2014/main" id="{2523F941-6F8F-4B39-842C-69016A024D84}"/>
+              </a:ext>
+            </a:extLst>
+          </p:cNvPr>
+          <p:cNvSpPr/>
+          <p:nvPr/>
+        </p:nvSpPr>
+        <p:spPr>
+          <a:xfrm>
+            <a:off x="7298263" y="87292"/>
+            <a:ext cx="2393967" cy="251133"/>
+          </a:xfrm>
+          <a:prstGeom prst="roundRect">
+            <a:avLst/>
+          </a:prstGeom>
+        </p:spPr>
+        <p:style>
+          <a:lnRef idx="2">
+            <a:schemeClr val="accent1">
+              <a:shade val="50000"/>
+            </a:schemeClr>
+          </a:lnRef>
+          <a:fillRef idx="1">
+            <a:schemeClr val="accent1"/>
+          </a:fillRef>
+          <a:effectRef idx="0">
+            <a:schemeClr val="accent1"/>
+          </a:effectRef>
+          <a:fontRef idx="minor">
+            <a:schemeClr val="lt1"/>
+          </a:fontRef>
+        </p:style>
+        <p:txBody>
+          <a:bodyPr rtlCol="0" anchor="ctr"/>
+          <a:lstStyle/>
+          <a:p>
+            <a:pPr algn="l"/>
+            <a:r>
+              <a:rPr lang="ko-KR" altLang="en-US" sz="1600" b="1" i="0" dirty="0" err="1">
+                <a:solidFill>
+                  <a:schemeClr val="bg1"/>
+                </a:solidFill>
+                <a:effectLst/>
+                <a:latin typeface="이사만루체 Light" panose="00000300000000000000" pitchFamily="2" charset="-127"/>
+                <a:ea typeface="이사만루체 Light" panose="00000300000000000000" pitchFamily="2" charset="-127"/>
+              </a:rPr>
+              <a:t>꼬꼬마</a:t>
+            </a:r>
+            <a:r>
+              <a:rPr lang="ko-KR" altLang="en-US" sz="1600" b="1" i="0" dirty="0">
+                <a:solidFill>
+                  <a:schemeClr val="bg1"/>
+                </a:solidFill>
+                <a:effectLst/>
+                <a:latin typeface="이사만루체 Light" panose="00000300000000000000" pitchFamily="2" charset="-127"/>
+                <a:ea typeface="이사만루체 Light" panose="00000300000000000000" pitchFamily="2" charset="-127"/>
+              </a:rPr>
+              <a:t> </a:t>
+            </a:r>
+            <a:r>
+              <a:rPr lang="en-US" altLang="ko-KR" sz="1600" b="1" i="0" dirty="0">
+                <a:solidFill>
+                  <a:schemeClr val="bg1"/>
+                </a:solidFill>
+                <a:effectLst/>
+                <a:latin typeface="이사만루체 Light" panose="00000300000000000000" pitchFamily="2" charset="-127"/>
+                <a:ea typeface="이사만루체 Light" panose="00000300000000000000" pitchFamily="2" charset="-127"/>
+              </a:rPr>
+              <a:t>nouns: </a:t>
+            </a:r>
+            <a:r>
+              <a:rPr lang="ko-KR" altLang="en-US" sz="1600" b="1" i="0" dirty="0">
+                <a:solidFill>
+                  <a:schemeClr val="bg1"/>
+                </a:solidFill>
+                <a:effectLst/>
+                <a:latin typeface="이사만루체 Light" panose="00000300000000000000" pitchFamily="2" charset="-127"/>
+                <a:ea typeface="이사만루체 Light" panose="00000300000000000000" pitchFamily="2" charset="-127"/>
+              </a:rPr>
+              <a:t>명사추출</a:t>
+            </a:r>
+          </a:p>
+        </p:txBody>
+      </p:sp>
+      <p:pic>
+        <p:nvPicPr>
+          <p:cNvPr id="43" name="그림 42">
+            <a:extLst>
+              <a:ext uri="{FF2B5EF4-FFF2-40B4-BE49-F238E27FC236}">
+                <a16:creationId xmlns:a16="http://schemas.microsoft.com/office/drawing/2014/main" id="{5EE48B70-4C87-45DA-B3AC-7209F44E2E08}"/>
+              </a:ext>
+            </a:extLst>
+          </p:cNvPr>
+          <p:cNvPicPr>
+            <a:picLocks noChangeAspect="1"/>
+          </p:cNvPicPr>
+          <p:nvPr/>
+        </p:nvPicPr>
+        <p:blipFill>
+          <a:blip r:embed="rId9"/>
+          <a:stretch>
+            <a:fillRect/>
+          </a:stretch>
+        </p:blipFill>
+        <p:spPr>
+          <a:xfrm>
+            <a:off x="8730368" y="388450"/>
+            <a:ext cx="3010528" cy="489373"/>
+          </a:xfrm>
+          <a:prstGeom prst="rect">
+            <a:avLst/>
+          </a:prstGeom>
+        </p:spPr>
+      </p:pic>
+      <p:sp>
+        <p:nvSpPr>
+          <p:cNvPr id="44" name="직사각형 43">
+            <a:extLst>
+              <a:ext uri="{FF2B5EF4-FFF2-40B4-BE49-F238E27FC236}">
+                <a16:creationId xmlns:a16="http://schemas.microsoft.com/office/drawing/2014/main" id="{C5EEA5AF-03A8-4DF3-A22E-D6EC87F1C29F}"/>
+              </a:ext>
+            </a:extLst>
+          </p:cNvPr>
+          <p:cNvSpPr/>
+          <p:nvPr/>
+        </p:nvSpPr>
+        <p:spPr>
+          <a:xfrm>
+            <a:off x="5346030" y="1072223"/>
+            <a:ext cx="2632356" cy="546852"/>
+          </a:xfrm>
+          <a:prstGeom prst="rect">
+            <a:avLst/>
+          </a:prstGeom>
+          <a:solidFill>
+            <a:schemeClr val="bg1"/>
+          </a:solidFill>
+          <a:ln>
+            <a:noFill/>
+          </a:ln>
+        </p:spPr>
+        <p:style>
+          <a:lnRef idx="2">
+            <a:schemeClr val="accent1">
+              <a:shade val="50000"/>
+            </a:schemeClr>
+          </a:lnRef>
+          <a:fillRef idx="1">
+            <a:schemeClr val="accent1"/>
+          </a:fillRef>
+          <a:effectRef idx="0">
+            <a:schemeClr val="accent1"/>
+          </a:effectRef>
+          <a:fontRef idx="minor">
+            <a:schemeClr val="lt1"/>
+          </a:fontRef>
+        </p:style>
+        <p:txBody>
+          <a:bodyPr rtlCol="0" anchor="ctr"/>
+          <a:lstStyle/>
+          <a:p>
+            <a:pPr algn="ctr"/>
+            <a:r>
+              <a:rPr lang="ko-KR" altLang="en-US" dirty="0">
+                <a:solidFill>
+                  <a:schemeClr val="tx1"/>
+                </a:solidFill>
+                <a:latin typeface="에스코어 드림 9 Black" panose="020B0A03030302020204" pitchFamily="34" charset="-127"/>
+                <a:ea typeface="에스코어 드림 9 Black" panose="020B0A03030302020204" pitchFamily="34" charset="-127"/>
+              </a:rPr>
+              <a:t>정수 인코딩</a:t>
+            </a:r>
+            <a:r>
+              <a:rPr lang="en-US" altLang="ko-KR" dirty="0">
+                <a:solidFill>
+                  <a:schemeClr val="tx1"/>
+                </a:solidFill>
+                <a:latin typeface="에스코어 드림 9 Black" panose="020B0A03030302020204" pitchFamily="34" charset="-127"/>
+                <a:ea typeface="에스코어 드림 9 Black" panose="020B0A03030302020204" pitchFamily="34" charset="-127"/>
+              </a:rPr>
+              <a:t>:dictionary</a:t>
+            </a:r>
+            <a:endParaRPr lang="ko-KR" altLang="en-US" dirty="0">
+              <a:solidFill>
+                <a:schemeClr val="tx1"/>
+              </a:solidFill>
+              <a:latin typeface="에스코어 드림 9 Black" panose="020B0A03030302020204" pitchFamily="34" charset="-127"/>
+              <a:ea typeface="에스코어 드림 9 Black" panose="020B0A03030302020204" pitchFamily="34" charset="-127"/>
+            </a:endParaRPr>
+          </a:p>
+        </p:txBody>
+      </p:sp>
+      <p:sp>
+        <p:nvSpPr>
+          <p:cNvPr id="46" name="TextBox 45">
+            <a:extLst>
+              <a:ext uri="{FF2B5EF4-FFF2-40B4-BE49-F238E27FC236}">
+                <a16:creationId xmlns:a16="http://schemas.microsoft.com/office/drawing/2014/main" id="{807948C0-C787-461D-9B86-5115FA50711A}"/>
+              </a:ext>
+            </a:extLst>
+          </p:cNvPr>
+          <p:cNvSpPr txBox="1"/>
+          <p:nvPr/>
+        </p:nvSpPr>
+        <p:spPr>
+          <a:xfrm>
+            <a:off x="5344178" y="1602204"/>
+            <a:ext cx="2457160" cy="713420"/>
+          </a:xfrm>
+          <a:prstGeom prst="roundRect">
+            <a:avLst/>
+          </a:prstGeom>
+          <a:ln w="12700">
+            <a:solidFill>
+              <a:srgbClr val="00B050"/>
+            </a:solidFill>
+            <a:prstDash val="lgDash"/>
+          </a:ln>
+        </p:spPr>
+        <p:txBody>
+          <a:bodyPr vert="horz" lIns="91440" tIns="45720" rIns="91440" bIns="45720" rtlCol="0">
+            <a:normAutofit fontScale="92500" lnSpcReduction="10000"/>
+          </a:bodyPr>
+          <a:lstStyle/>
+          <a:p>
+            <a:pPr latinLnBrk="0">
+              <a:lnSpc>
+                <a:spcPct val="90000"/>
+              </a:lnSpc>
+              <a:spcAft>
+                <a:spcPts val="600"/>
+              </a:spcAft>
+            </a:pPr>
+            <a:r>
+              <a:rPr lang="en-US" altLang="ko-KR" sz="100" dirty="0">
+                <a:latin typeface="에스코어 드림 3 Light" panose="020B0303030302020204" pitchFamily="34" charset="-127"/>
+                <a:ea typeface="에스코어 드림 3 Light" panose="020B0303030302020204" pitchFamily="34" charset="-127"/>
+              </a:rPr>
+              <a:t> </a:t>
+            </a:r>
+          </a:p>
+          <a:p>
+            <a:pPr latinLnBrk="0">
+              <a:lnSpc>
+                <a:spcPct val="90000"/>
+              </a:lnSpc>
+              <a:spcAft>
+                <a:spcPts val="600"/>
+              </a:spcAft>
+            </a:pPr>
+            <a:r>
+              <a:rPr lang="en-US" altLang="ko-KR" sz="900" dirty="0">
+                <a:latin typeface="에스코어 드림 3 Light" panose="020B0303030302020204" pitchFamily="34" charset="-127"/>
+                <a:ea typeface="에스코어 드림 3 Light" panose="020B0303030302020204" pitchFamily="34" charset="-127"/>
+              </a:rPr>
+              <a:t>from </a:t>
+            </a:r>
+            <a:r>
+              <a:rPr lang="en-US" altLang="ko-KR" sz="900" dirty="0" err="1">
+                <a:latin typeface="에스코어 드림 3 Light" panose="020B0303030302020204" pitchFamily="34" charset="-127"/>
+                <a:ea typeface="에스코어 드림 3 Light" panose="020B0303030302020204" pitchFamily="34" charset="-127"/>
+              </a:rPr>
+              <a:t>nltk.tokenize</a:t>
+            </a:r>
+            <a:r>
+              <a:rPr lang="en-US" altLang="ko-KR" sz="900" dirty="0">
+                <a:latin typeface="에스코어 드림 3 Light" panose="020B0303030302020204" pitchFamily="34" charset="-127"/>
+                <a:ea typeface="에스코어 드림 3 Light" panose="020B0303030302020204" pitchFamily="34" charset="-127"/>
+              </a:rPr>
+              <a:t> import </a:t>
+            </a:r>
+            <a:r>
+              <a:rPr lang="en-US" altLang="ko-KR" sz="900" dirty="0" err="1">
+                <a:latin typeface="에스코어 드림 3 Light" panose="020B0303030302020204" pitchFamily="34" charset="-127"/>
+                <a:ea typeface="에스코어 드림 3 Light" panose="020B0303030302020204" pitchFamily="34" charset="-127"/>
+              </a:rPr>
+              <a:t>sent_tokenize</a:t>
+            </a:r>
+            <a:endParaRPr lang="en-US" altLang="ko-KR" sz="900" dirty="0">
+              <a:latin typeface="에스코어 드림 3 Light" panose="020B0303030302020204" pitchFamily="34" charset="-127"/>
+              <a:ea typeface="에스코어 드림 3 Light" panose="020B0303030302020204" pitchFamily="34" charset="-127"/>
+            </a:endParaRPr>
+          </a:p>
+          <a:p>
+            <a:pPr latinLnBrk="0">
+              <a:lnSpc>
+                <a:spcPct val="90000"/>
+              </a:lnSpc>
+              <a:spcAft>
+                <a:spcPts val="600"/>
+              </a:spcAft>
+            </a:pPr>
+            <a:r>
+              <a:rPr lang="en-US" altLang="ko-KR" sz="900" dirty="0">
+                <a:latin typeface="에스코어 드림 3 Light" panose="020B0303030302020204" pitchFamily="34" charset="-127"/>
+                <a:ea typeface="에스코어 드림 3 Light" panose="020B0303030302020204" pitchFamily="34" charset="-127"/>
+              </a:rPr>
+              <a:t>from </a:t>
+            </a:r>
+            <a:r>
+              <a:rPr lang="en-US" altLang="ko-KR" sz="900" dirty="0" err="1">
+                <a:latin typeface="에스코어 드림 3 Light" panose="020B0303030302020204" pitchFamily="34" charset="-127"/>
+                <a:ea typeface="에스코어 드림 3 Light" panose="020B0303030302020204" pitchFamily="34" charset="-127"/>
+              </a:rPr>
+              <a:t>nltk.tokenize</a:t>
+            </a:r>
+            <a:r>
+              <a:rPr lang="en-US" altLang="ko-KR" sz="900" dirty="0">
+                <a:latin typeface="에스코어 드림 3 Light" panose="020B0303030302020204" pitchFamily="34" charset="-127"/>
+                <a:ea typeface="에스코어 드림 3 Light" panose="020B0303030302020204" pitchFamily="34" charset="-127"/>
+              </a:rPr>
+              <a:t> import </a:t>
+            </a:r>
+            <a:r>
+              <a:rPr lang="en-US" altLang="ko-KR" sz="900" dirty="0" err="1">
+                <a:latin typeface="에스코어 드림 3 Light" panose="020B0303030302020204" pitchFamily="34" charset="-127"/>
+                <a:ea typeface="에스코어 드림 3 Light" panose="020B0303030302020204" pitchFamily="34" charset="-127"/>
+              </a:rPr>
+              <a:t>word_tokenize</a:t>
+            </a:r>
+            <a:endParaRPr lang="en-US" altLang="ko-KR" sz="900" dirty="0">
+              <a:latin typeface="에스코어 드림 3 Light" panose="020B0303030302020204" pitchFamily="34" charset="-127"/>
+              <a:ea typeface="에스코어 드림 3 Light" panose="020B0303030302020204" pitchFamily="34" charset="-127"/>
+            </a:endParaRPr>
+          </a:p>
+          <a:p>
+            <a:pPr latinLnBrk="0">
+              <a:lnSpc>
+                <a:spcPct val="90000"/>
+              </a:lnSpc>
+              <a:spcAft>
+                <a:spcPts val="600"/>
+              </a:spcAft>
+            </a:pPr>
+            <a:r>
+              <a:rPr lang="en-US" altLang="ko-KR" sz="900" dirty="0">
+                <a:latin typeface="에스코어 드림 3 Light" panose="020B0303030302020204" pitchFamily="34" charset="-127"/>
+                <a:ea typeface="에스코어 드림 3 Light" panose="020B0303030302020204" pitchFamily="34" charset="-127"/>
+              </a:rPr>
+              <a:t>from </a:t>
+            </a:r>
+            <a:r>
+              <a:rPr lang="en-US" altLang="ko-KR" sz="900" dirty="0" err="1">
+                <a:latin typeface="에스코어 드림 3 Light" panose="020B0303030302020204" pitchFamily="34" charset="-127"/>
+                <a:ea typeface="에스코어 드림 3 Light" panose="020B0303030302020204" pitchFamily="34" charset="-127"/>
+              </a:rPr>
+              <a:t>nltk.corpus</a:t>
+            </a:r>
+            <a:r>
+              <a:rPr lang="en-US" altLang="ko-KR" sz="900" dirty="0">
+                <a:latin typeface="에스코어 드림 3 Light" panose="020B0303030302020204" pitchFamily="34" charset="-127"/>
+                <a:ea typeface="에스코어 드림 3 Light" panose="020B0303030302020204" pitchFamily="34" charset="-127"/>
+              </a:rPr>
+              <a:t> import </a:t>
+            </a:r>
+            <a:r>
+              <a:rPr lang="en-US" altLang="ko-KR" sz="900" dirty="0" err="1">
+                <a:latin typeface="에스코어 드림 3 Light" panose="020B0303030302020204" pitchFamily="34" charset="-127"/>
+                <a:ea typeface="에스코어 드림 3 Light" panose="020B0303030302020204" pitchFamily="34" charset="-127"/>
+              </a:rPr>
+              <a:t>stopwords</a:t>
+            </a:r>
+            <a:endParaRPr lang="en-US" altLang="ko-KR" sz="900" dirty="0">
+              <a:latin typeface="에스코어 드림 3 Light" panose="020B0303030302020204" pitchFamily="34" charset="-127"/>
+              <a:ea typeface="에스코어 드림 3 Light" panose="020B0303030302020204" pitchFamily="34" charset="-127"/>
+            </a:endParaRPr>
+          </a:p>
+        </p:txBody>
+      </p:sp>
+      <p:sp>
+        <p:nvSpPr>
+          <p:cNvPr id="47" name="사각형: 둥근 모서리 46">
+            <a:extLst>
+              <a:ext uri="{FF2B5EF4-FFF2-40B4-BE49-F238E27FC236}">
+                <a16:creationId xmlns:a16="http://schemas.microsoft.com/office/drawing/2014/main" id="{3D89D2AF-46C3-4E82-B8F4-D0ABA1853A7A}"/>
+              </a:ext>
+            </a:extLst>
+          </p:cNvPr>
+          <p:cNvSpPr/>
+          <p:nvPr/>
+        </p:nvSpPr>
+        <p:spPr>
+          <a:xfrm>
+            <a:off x="5511722" y="1500652"/>
+            <a:ext cx="513794" cy="219563"/>
+          </a:xfrm>
+          <a:prstGeom prst="roundRect">
+            <a:avLst/>
+          </a:prstGeom>
+          <a:solidFill>
+            <a:srgbClr val="00B050"/>
+          </a:solidFill>
+          <a:ln>
+            <a:noFill/>
+          </a:ln>
+        </p:spPr>
+        <p:style>
+          <a:lnRef idx="2">
+            <a:schemeClr val="accent1">
+              <a:shade val="50000"/>
+            </a:schemeClr>
+          </a:lnRef>
+          <a:fillRef idx="1">
+            <a:schemeClr val="accent1"/>
+          </a:fillRef>
+          <a:effectRef idx="0">
+            <a:schemeClr val="accent1"/>
+          </a:effectRef>
+          <a:fontRef idx="minor">
+            <a:schemeClr val="lt1"/>
+          </a:fontRef>
+        </p:style>
+        <p:txBody>
+          <a:bodyPr rtlCol="0" anchor="ctr"/>
+          <a:lstStyle/>
+          <a:p>
+            <a:pPr algn="ctr"/>
+            <a:r>
+              <a:rPr lang="ko-KR" altLang="en-US" sz="1300" dirty="0">
+                <a:latin typeface="이사만루체 Light" panose="00000300000000000000" pitchFamily="2" charset="-127"/>
+                <a:ea typeface="이사만루체 Light" panose="00000300000000000000" pitchFamily="2" charset="-127"/>
+              </a:rPr>
+              <a:t>호출</a:t>
+            </a:r>
+          </a:p>
+        </p:txBody>
+      </p:sp>
+      <p:sp>
+        <p:nvSpPr>
+          <p:cNvPr id="48" name="TextBox 47">
+            <a:extLst>
+              <a:ext uri="{FF2B5EF4-FFF2-40B4-BE49-F238E27FC236}">
+                <a16:creationId xmlns:a16="http://schemas.microsoft.com/office/drawing/2014/main" id="{7C30EAB1-AF60-4A61-857C-9B35F165A3B7}"/>
+              </a:ext>
+            </a:extLst>
+          </p:cNvPr>
+          <p:cNvSpPr txBox="1"/>
+          <p:nvPr/>
+        </p:nvSpPr>
+        <p:spPr>
+          <a:xfrm>
+            <a:off x="7973078" y="1465044"/>
+            <a:ext cx="3767818" cy="802190"/>
+          </a:xfrm>
+          <a:prstGeom prst="roundRect">
+            <a:avLst/>
+          </a:prstGeom>
+          <a:ln w="12700">
+            <a:solidFill>
+              <a:srgbClr val="00B050"/>
+            </a:solidFill>
+            <a:prstDash val="lgDash"/>
+          </a:ln>
+        </p:spPr>
+        <p:txBody>
+          <a:bodyPr vert="horz" lIns="91440" tIns="45720" rIns="91440" bIns="45720" rtlCol="0">
+            <a:normAutofit/>
+          </a:bodyPr>
+          <a:lstStyle/>
+          <a:p>
+            <a:pPr latinLnBrk="0">
+              <a:lnSpc>
+                <a:spcPct val="90000"/>
+              </a:lnSpc>
+              <a:spcAft>
+                <a:spcPts val="600"/>
+              </a:spcAft>
+            </a:pPr>
+            <a:r>
+              <a:rPr lang="en-US" altLang="ko-KR" sz="100" dirty="0">
+                <a:latin typeface="에스코어 드림 3 Light" panose="020B0303030302020204" pitchFamily="34" charset="-127"/>
+                <a:ea typeface="에스코어 드림 3 Light" panose="020B0303030302020204" pitchFamily="34" charset="-127"/>
+              </a:rPr>
+              <a:t> </a:t>
+            </a:r>
+          </a:p>
+          <a:p>
+            <a:pPr latinLnBrk="0">
+              <a:lnSpc>
+                <a:spcPct val="90000"/>
+              </a:lnSpc>
+              <a:spcAft>
+                <a:spcPts val="600"/>
+              </a:spcAft>
+            </a:pPr>
+            <a:r>
+              <a:rPr lang="en-US" altLang="ko-KR" sz="900" dirty="0">
+                <a:latin typeface="에스코어 드림 3 Light" panose="020B0303030302020204" pitchFamily="34" charset="-127"/>
+                <a:ea typeface="에스코어 드림 3 Light" panose="020B0303030302020204" pitchFamily="34" charset="-127"/>
+              </a:rPr>
+              <a:t>text = </a:t>
+            </a:r>
+            <a:r>
+              <a:rPr lang="en-US" altLang="ko-KR" sz="900" dirty="0" err="1">
+                <a:latin typeface="에스코어 드림 3 Light" panose="020B0303030302020204" pitchFamily="34" charset="-127"/>
+                <a:ea typeface="에스코어 드림 3 Light" panose="020B0303030302020204" pitchFamily="34" charset="-127"/>
+              </a:rPr>
+              <a:t>sent_tokenize</a:t>
+            </a:r>
+            <a:r>
+              <a:rPr lang="en-US" altLang="ko-KR" sz="900" dirty="0">
+                <a:latin typeface="에스코어 드림 3 Light" panose="020B0303030302020204" pitchFamily="34" charset="-127"/>
+                <a:ea typeface="에스코어 드림 3 Light" panose="020B0303030302020204" pitchFamily="34" charset="-127"/>
+              </a:rPr>
+              <a:t>(</a:t>
+            </a:r>
+            <a:r>
+              <a:rPr lang="ko-KR" altLang="en-US" sz="900" dirty="0">
+                <a:latin typeface="에스코어 드림 3 Light" panose="020B0303030302020204" pitchFamily="34" charset="-127"/>
+                <a:ea typeface="에스코어 드림 3 Light" panose="020B0303030302020204" pitchFamily="34" charset="-127"/>
+              </a:rPr>
+              <a:t>문장</a:t>
+            </a:r>
+            <a:r>
+              <a:rPr lang="en-US" altLang="ko-KR" sz="900" dirty="0">
+                <a:latin typeface="에스코어 드림 3 Light" panose="020B0303030302020204" pitchFamily="34" charset="-127"/>
+                <a:ea typeface="에스코어 드림 3 Light" panose="020B0303030302020204" pitchFamily="34" charset="-127"/>
+              </a:rPr>
+              <a:t>)     </a:t>
+            </a:r>
+          </a:p>
+          <a:p>
+            <a:pPr latinLnBrk="0">
+              <a:lnSpc>
+                <a:spcPct val="90000"/>
+              </a:lnSpc>
+              <a:spcAft>
+                <a:spcPts val="600"/>
+              </a:spcAft>
+            </a:pPr>
+            <a:r>
+              <a:rPr lang="en-US" altLang="ko-KR" sz="900" dirty="0">
+                <a:latin typeface="에스코어 드림 3 Light" panose="020B0303030302020204" pitchFamily="34" charset="-127"/>
+                <a:ea typeface="에스코어 드림 3 Light" panose="020B0303030302020204" pitchFamily="34" charset="-127"/>
+              </a:rPr>
+              <a:t>print(text)</a:t>
+            </a:r>
+          </a:p>
+        </p:txBody>
+      </p:sp>
+      <p:sp>
+        <p:nvSpPr>
+          <p:cNvPr id="49" name="사각형: 둥근 모서리 48">
+            <a:extLst>
+              <a:ext uri="{FF2B5EF4-FFF2-40B4-BE49-F238E27FC236}">
+                <a16:creationId xmlns:a16="http://schemas.microsoft.com/office/drawing/2014/main" id="{11BAAD02-5C9C-4A8A-B68C-F78661DE1E59}"/>
+              </a:ext>
+            </a:extLst>
+          </p:cNvPr>
+          <p:cNvSpPr/>
+          <p:nvPr/>
+        </p:nvSpPr>
+        <p:spPr>
+          <a:xfrm>
+            <a:off x="8140622" y="1363493"/>
+            <a:ext cx="1125298" cy="172718"/>
+          </a:xfrm>
+          <a:prstGeom prst="roundRect">
+            <a:avLst/>
+          </a:prstGeom>
+          <a:solidFill>
+            <a:srgbClr val="00B050"/>
+          </a:solidFill>
+          <a:ln>
+            <a:noFill/>
+          </a:ln>
+        </p:spPr>
+        <p:style>
+          <a:lnRef idx="2">
+            <a:schemeClr val="accent1">
+              <a:shade val="50000"/>
+            </a:schemeClr>
+          </a:lnRef>
+          <a:fillRef idx="1">
+            <a:schemeClr val="accent1"/>
+          </a:fillRef>
+          <a:effectRef idx="0">
+            <a:schemeClr val="accent1"/>
+          </a:effectRef>
+          <a:fontRef idx="minor">
+            <a:schemeClr val="lt1"/>
+          </a:fontRef>
+        </p:style>
+        <p:txBody>
+          <a:bodyPr rtlCol="0" anchor="ctr"/>
+          <a:lstStyle/>
+          <a:p>
+            <a:pPr algn="ctr"/>
+            <a:r>
+              <a:rPr lang="ko-KR" altLang="en-US" sz="1300" dirty="0">
+                <a:latin typeface="이사만루체 Light" panose="00000300000000000000" pitchFamily="2" charset="-127"/>
+                <a:ea typeface="이사만루체 Light" panose="00000300000000000000" pitchFamily="2" charset="-127"/>
+              </a:rPr>
+              <a:t>문장 토큰화</a:t>
+            </a:r>
+          </a:p>
+        </p:txBody>
+      </p:sp>
+      <p:sp>
+        <p:nvSpPr>
+          <p:cNvPr id="52" name="TextBox 51">
+            <a:extLst>
+              <a:ext uri="{FF2B5EF4-FFF2-40B4-BE49-F238E27FC236}">
+                <a16:creationId xmlns:a16="http://schemas.microsoft.com/office/drawing/2014/main" id="{1E13C35B-A902-4BF5-9DF2-7F7431F534FD}"/>
+              </a:ext>
+            </a:extLst>
+          </p:cNvPr>
+          <p:cNvSpPr txBox="1"/>
+          <p:nvPr/>
+        </p:nvSpPr>
+        <p:spPr>
+          <a:xfrm>
+            <a:off x="5351946" y="2498650"/>
+            <a:ext cx="6388950" cy="2501680"/>
+          </a:xfrm>
+          <a:prstGeom prst="roundRect">
+            <a:avLst/>
+          </a:prstGeom>
+          <a:ln w="12700">
+            <a:solidFill>
+              <a:srgbClr val="00B050"/>
+            </a:solidFill>
+            <a:prstDash val="lgDash"/>
+          </a:ln>
+        </p:spPr>
+        <p:txBody>
+          <a:bodyPr vert="horz" lIns="91440" tIns="45720" rIns="91440" bIns="45720" rtlCol="0">
+            <a:noAutofit/>
+          </a:bodyPr>
+          <a:lstStyle/>
+          <a:p>
+            <a:pPr latinLnBrk="0">
+              <a:lnSpc>
+                <a:spcPct val="70000"/>
+              </a:lnSpc>
+              <a:spcAft>
+                <a:spcPts val="600"/>
+              </a:spcAft>
+            </a:pPr>
+            <a:r>
+              <a:rPr lang="en-US" altLang="ko-KR" sz="100" dirty="0">
+                <a:latin typeface="에스코어 드림 3 Light" panose="020B0303030302020204" pitchFamily="34" charset="-127"/>
+                <a:ea typeface="에스코어 드림 3 Light" panose="020B0303030302020204" pitchFamily="34" charset="-127"/>
+              </a:rPr>
+              <a:t> </a:t>
+            </a:r>
+          </a:p>
+          <a:p>
+            <a:pPr latinLnBrk="0">
+              <a:lnSpc>
+                <a:spcPct val="70000"/>
+              </a:lnSpc>
+              <a:spcAft>
+                <a:spcPts val="600"/>
+              </a:spcAft>
+            </a:pPr>
+            <a:r>
+              <a:rPr lang="en-US" altLang="ko-KR" sz="1000" dirty="0">
+                <a:latin typeface="에스코어 드림 3 Light" panose="020B0303030302020204" pitchFamily="34" charset="-127"/>
+                <a:ea typeface="에스코어 드림 3 Light" panose="020B0303030302020204" pitchFamily="34" charset="-127"/>
+              </a:rPr>
+              <a:t>for </a:t>
+            </a:r>
+            <a:r>
+              <a:rPr lang="en-US" altLang="ko-KR" sz="1000" dirty="0" err="1">
+                <a:latin typeface="에스코어 드림 3 Light" panose="020B0303030302020204" pitchFamily="34" charset="-127"/>
+                <a:ea typeface="에스코어 드림 3 Light" panose="020B0303030302020204" pitchFamily="34" charset="-127"/>
+              </a:rPr>
+              <a:t>i</a:t>
+            </a:r>
+            <a:r>
+              <a:rPr lang="en-US" altLang="ko-KR" sz="1000" dirty="0">
+                <a:latin typeface="에스코어 드림 3 Light" panose="020B0303030302020204" pitchFamily="34" charset="-127"/>
+                <a:ea typeface="에스코어 드림 3 Light" panose="020B0303030302020204" pitchFamily="34" charset="-127"/>
+              </a:rPr>
+              <a:t> in text:</a:t>
+            </a:r>
+          </a:p>
+          <a:p>
+            <a:pPr latinLnBrk="0">
+              <a:lnSpc>
+                <a:spcPct val="70000"/>
+              </a:lnSpc>
+              <a:spcAft>
+                <a:spcPts val="600"/>
+              </a:spcAft>
+            </a:pPr>
+            <a:r>
+              <a:rPr lang="en-US" altLang="ko-KR" sz="1000" dirty="0">
+                <a:latin typeface="에스코어 드림 3 Light" panose="020B0303030302020204" pitchFamily="34" charset="-127"/>
+                <a:ea typeface="에스코어 드림 3 Light" panose="020B0303030302020204" pitchFamily="34" charset="-127"/>
+              </a:rPr>
+              <a:t>    sentence = </a:t>
+            </a:r>
+            <a:r>
+              <a:rPr lang="en-US" altLang="ko-KR" sz="1000" dirty="0" err="1">
+                <a:latin typeface="에스코어 드림 3 Light" panose="020B0303030302020204" pitchFamily="34" charset="-127"/>
+                <a:ea typeface="에스코어 드림 3 Light" panose="020B0303030302020204" pitchFamily="34" charset="-127"/>
+              </a:rPr>
+              <a:t>word_tokenize</a:t>
+            </a:r>
+            <a:r>
+              <a:rPr lang="en-US" altLang="ko-KR" sz="1000" dirty="0">
+                <a:latin typeface="에스코어 드림 3 Light" panose="020B0303030302020204" pitchFamily="34" charset="-127"/>
+                <a:ea typeface="에스코어 드림 3 Light" panose="020B0303030302020204" pitchFamily="34" charset="-127"/>
+              </a:rPr>
+              <a:t>(</a:t>
+            </a:r>
+            <a:r>
+              <a:rPr lang="en-US" altLang="ko-KR" sz="1000" dirty="0" err="1">
+                <a:latin typeface="에스코어 드림 3 Light" panose="020B0303030302020204" pitchFamily="34" charset="-127"/>
+                <a:ea typeface="에스코어 드림 3 Light" panose="020B0303030302020204" pitchFamily="34" charset="-127"/>
+              </a:rPr>
+              <a:t>i</a:t>
+            </a:r>
+            <a:r>
+              <a:rPr lang="en-US" altLang="ko-KR" sz="1000" dirty="0">
+                <a:latin typeface="에스코어 드림 3 Light" panose="020B0303030302020204" pitchFamily="34" charset="-127"/>
+                <a:ea typeface="에스코어 드림 3 Light" panose="020B0303030302020204" pitchFamily="34" charset="-127"/>
+              </a:rPr>
+              <a:t>) result = []</a:t>
+            </a:r>
+          </a:p>
+          <a:p>
+            <a:pPr latinLnBrk="0">
+              <a:lnSpc>
+                <a:spcPct val="70000"/>
+              </a:lnSpc>
+              <a:spcAft>
+                <a:spcPts val="600"/>
+              </a:spcAft>
+            </a:pPr>
+            <a:r>
+              <a:rPr lang="en-US" altLang="ko-KR" sz="1000" dirty="0">
+                <a:latin typeface="에스코어 드림 3 Light" panose="020B0303030302020204" pitchFamily="34" charset="-127"/>
+                <a:ea typeface="에스코어 드림 3 Light" panose="020B0303030302020204" pitchFamily="34" charset="-127"/>
+              </a:rPr>
+              <a:t> for word in sentence: </a:t>
+            </a:r>
+          </a:p>
+          <a:p>
+            <a:pPr latinLnBrk="0">
+              <a:lnSpc>
+                <a:spcPct val="70000"/>
+              </a:lnSpc>
+              <a:spcAft>
+                <a:spcPts val="600"/>
+              </a:spcAft>
+            </a:pPr>
+            <a:r>
+              <a:rPr lang="en-US" altLang="ko-KR" sz="1000" dirty="0">
+                <a:latin typeface="에스코어 드림 3 Light" panose="020B0303030302020204" pitchFamily="34" charset="-127"/>
+                <a:ea typeface="에스코어 드림 3 Light" panose="020B0303030302020204" pitchFamily="34" charset="-127"/>
+              </a:rPr>
+              <a:t>        word = </a:t>
+            </a:r>
+            <a:r>
+              <a:rPr lang="en-US" altLang="ko-KR" sz="1000" dirty="0" err="1">
+                <a:latin typeface="에스코어 드림 3 Light" panose="020B0303030302020204" pitchFamily="34" charset="-127"/>
+                <a:ea typeface="에스코어 드림 3 Light" panose="020B0303030302020204" pitchFamily="34" charset="-127"/>
+              </a:rPr>
+              <a:t>word.lower</a:t>
+            </a:r>
+            <a:r>
+              <a:rPr lang="en-US" altLang="ko-KR" sz="1000" dirty="0">
+                <a:latin typeface="에스코어 드림 3 Light" panose="020B0303030302020204" pitchFamily="34" charset="-127"/>
+                <a:ea typeface="에스코어 드림 3 Light" panose="020B0303030302020204" pitchFamily="34" charset="-127"/>
+              </a:rPr>
+              <a:t>() </a:t>
+            </a:r>
+          </a:p>
+          <a:p>
+            <a:pPr latinLnBrk="0">
+              <a:lnSpc>
+                <a:spcPct val="70000"/>
+              </a:lnSpc>
+              <a:spcAft>
+                <a:spcPts val="600"/>
+              </a:spcAft>
+            </a:pPr>
+            <a:r>
+              <a:rPr lang="en-US" altLang="ko-KR" sz="1000" dirty="0">
+                <a:latin typeface="에스코어 드림 3 Light" panose="020B0303030302020204" pitchFamily="34" charset="-127"/>
+                <a:ea typeface="에스코어 드림 3 Light" panose="020B0303030302020204" pitchFamily="34" charset="-127"/>
+              </a:rPr>
+              <a:t>         if word not in </a:t>
+            </a:r>
+            <a:r>
+              <a:rPr lang="en-US" altLang="ko-KR" sz="1000" dirty="0" err="1">
+                <a:latin typeface="에스코어 드림 3 Light" panose="020B0303030302020204" pitchFamily="34" charset="-127"/>
+                <a:ea typeface="에스코어 드림 3 Light" panose="020B0303030302020204" pitchFamily="34" charset="-127"/>
+              </a:rPr>
+              <a:t>stop_words</a:t>
+            </a:r>
+            <a:r>
+              <a:rPr lang="en-US" altLang="ko-KR" sz="1000" dirty="0">
+                <a:latin typeface="에스코어 드림 3 Light" panose="020B0303030302020204" pitchFamily="34" charset="-127"/>
+                <a:ea typeface="에스코어 드림 3 Light" panose="020B0303030302020204" pitchFamily="34" charset="-127"/>
+              </a:rPr>
+              <a:t>: </a:t>
+            </a:r>
+          </a:p>
+          <a:p>
+            <a:pPr latinLnBrk="0">
+              <a:lnSpc>
+                <a:spcPct val="70000"/>
+              </a:lnSpc>
+              <a:spcAft>
+                <a:spcPts val="600"/>
+              </a:spcAft>
+            </a:pPr>
+            <a:r>
+              <a:rPr lang="en-US" altLang="ko-KR" sz="1000" dirty="0">
+                <a:latin typeface="에스코어 드림 3 Light" panose="020B0303030302020204" pitchFamily="34" charset="-127"/>
+                <a:ea typeface="에스코어 드림 3 Light" panose="020B0303030302020204" pitchFamily="34" charset="-127"/>
+              </a:rPr>
+              <a:t>             if </a:t>
+            </a:r>
+            <a:r>
+              <a:rPr lang="en-US" altLang="ko-KR" sz="1000" dirty="0" err="1">
+                <a:latin typeface="에스코어 드림 3 Light" panose="020B0303030302020204" pitchFamily="34" charset="-127"/>
+                <a:ea typeface="에스코어 드림 3 Light" panose="020B0303030302020204" pitchFamily="34" charset="-127"/>
+              </a:rPr>
+              <a:t>len</a:t>
+            </a:r>
+            <a:r>
+              <a:rPr lang="en-US" altLang="ko-KR" sz="1000" dirty="0">
+                <a:latin typeface="에스코어 드림 3 Light" panose="020B0303030302020204" pitchFamily="34" charset="-127"/>
+                <a:ea typeface="에스코어 드림 3 Light" panose="020B0303030302020204" pitchFamily="34" charset="-127"/>
+              </a:rPr>
+              <a:t>(word) &gt; 1:</a:t>
+            </a:r>
+          </a:p>
+          <a:p>
+            <a:pPr latinLnBrk="0">
+              <a:lnSpc>
+                <a:spcPct val="70000"/>
+              </a:lnSpc>
+              <a:spcAft>
+                <a:spcPts val="600"/>
+              </a:spcAft>
+            </a:pPr>
+            <a:r>
+              <a:rPr lang="en-US" altLang="ko-KR" sz="1000" dirty="0">
+                <a:latin typeface="에스코어 드림 3 Light" panose="020B0303030302020204" pitchFamily="34" charset="-127"/>
+                <a:ea typeface="에스코어 드림 3 Light" panose="020B0303030302020204" pitchFamily="34" charset="-127"/>
+              </a:rPr>
+              <a:t>                </a:t>
+            </a:r>
+            <a:r>
+              <a:rPr lang="en-US" altLang="ko-KR" sz="1000" dirty="0" err="1">
+                <a:latin typeface="에스코어 드림 3 Light" panose="020B0303030302020204" pitchFamily="34" charset="-127"/>
+                <a:ea typeface="에스코어 드림 3 Light" panose="020B0303030302020204" pitchFamily="34" charset="-127"/>
+              </a:rPr>
+              <a:t>result.append</a:t>
+            </a:r>
+            <a:r>
+              <a:rPr lang="en-US" altLang="ko-KR" sz="1000" dirty="0">
+                <a:latin typeface="에스코어 드림 3 Light" panose="020B0303030302020204" pitchFamily="34" charset="-127"/>
+                <a:ea typeface="에스코어 드림 3 Light" panose="020B0303030302020204" pitchFamily="34" charset="-127"/>
+              </a:rPr>
+              <a:t>(word)</a:t>
+            </a:r>
+          </a:p>
+          <a:p>
+            <a:pPr latinLnBrk="0">
+              <a:lnSpc>
+                <a:spcPct val="70000"/>
+              </a:lnSpc>
+              <a:spcAft>
+                <a:spcPts val="600"/>
+              </a:spcAft>
+            </a:pPr>
+            <a:r>
+              <a:rPr lang="en-US" altLang="ko-KR" sz="1000" dirty="0">
+                <a:latin typeface="에스코어 드림 3 Light" panose="020B0303030302020204" pitchFamily="34" charset="-127"/>
+                <a:ea typeface="에스코어 드림 3 Light" panose="020B0303030302020204" pitchFamily="34" charset="-127"/>
+              </a:rPr>
+              <a:t>                if word not in vocab:</a:t>
+            </a:r>
+          </a:p>
+          <a:p>
+            <a:pPr latinLnBrk="0">
+              <a:lnSpc>
+                <a:spcPct val="70000"/>
+              </a:lnSpc>
+              <a:spcAft>
+                <a:spcPts val="600"/>
+              </a:spcAft>
+            </a:pPr>
+            <a:r>
+              <a:rPr lang="en-US" altLang="ko-KR" sz="1000" dirty="0">
+                <a:latin typeface="에스코어 드림 3 Light" panose="020B0303030302020204" pitchFamily="34" charset="-127"/>
+                <a:ea typeface="에스코어 드림 3 Light" panose="020B0303030302020204" pitchFamily="34" charset="-127"/>
+              </a:rPr>
+              <a:t>                    vocab[word] = 0 </a:t>
+            </a:r>
+          </a:p>
+          <a:p>
+            <a:pPr latinLnBrk="0">
+              <a:lnSpc>
+                <a:spcPct val="70000"/>
+              </a:lnSpc>
+              <a:spcAft>
+                <a:spcPts val="600"/>
+              </a:spcAft>
+            </a:pPr>
+            <a:r>
+              <a:rPr lang="en-US" altLang="ko-KR" sz="1000" dirty="0">
+                <a:latin typeface="에스코어 드림 3 Light" panose="020B0303030302020204" pitchFamily="34" charset="-127"/>
+                <a:ea typeface="에스코어 드림 3 Light" panose="020B0303030302020204" pitchFamily="34" charset="-127"/>
+              </a:rPr>
+              <a:t>                vocab[word] += 1</a:t>
+            </a:r>
+          </a:p>
+          <a:p>
+            <a:pPr latinLnBrk="0">
+              <a:lnSpc>
+                <a:spcPct val="70000"/>
+              </a:lnSpc>
+              <a:spcAft>
+                <a:spcPts val="600"/>
+              </a:spcAft>
+            </a:pPr>
+            <a:r>
+              <a:rPr lang="en-US" altLang="ko-KR" sz="1000" dirty="0">
+                <a:latin typeface="에스코어 드림 3 Light" panose="020B0303030302020204" pitchFamily="34" charset="-127"/>
+                <a:ea typeface="에스코어 드림 3 Light" panose="020B0303030302020204" pitchFamily="34" charset="-127"/>
+              </a:rPr>
+              <a:t>    </a:t>
+            </a:r>
+            <a:r>
+              <a:rPr lang="en-US" altLang="ko-KR" sz="1000" dirty="0" err="1">
+                <a:latin typeface="에스코어 드림 3 Light" panose="020B0303030302020204" pitchFamily="34" charset="-127"/>
+                <a:ea typeface="에스코어 드림 3 Light" panose="020B0303030302020204" pitchFamily="34" charset="-127"/>
+              </a:rPr>
+              <a:t>sentences.append</a:t>
+            </a:r>
+            <a:r>
+              <a:rPr lang="en-US" altLang="ko-KR" sz="1000" dirty="0">
+                <a:latin typeface="에스코어 드림 3 Light" panose="020B0303030302020204" pitchFamily="34" charset="-127"/>
+                <a:ea typeface="에스코어 드림 3 Light" panose="020B0303030302020204" pitchFamily="34" charset="-127"/>
+              </a:rPr>
+              <a:t>(result) </a:t>
+            </a:r>
+          </a:p>
+          <a:p>
+            <a:pPr latinLnBrk="0">
+              <a:lnSpc>
+                <a:spcPct val="70000"/>
+              </a:lnSpc>
+              <a:spcAft>
+                <a:spcPts val="600"/>
+              </a:spcAft>
+            </a:pPr>
+            <a:r>
+              <a:rPr lang="en-US" altLang="ko-KR" sz="1000" dirty="0">
+                <a:latin typeface="에스코어 드림 3 Light" panose="020B0303030302020204" pitchFamily="34" charset="-127"/>
+                <a:ea typeface="에스코어 드림 3 Light" panose="020B0303030302020204" pitchFamily="34" charset="-127"/>
+              </a:rPr>
+              <a:t>print(sentences)</a:t>
+            </a:r>
+          </a:p>
+        </p:txBody>
+      </p:sp>
+      <p:sp>
+        <p:nvSpPr>
+          <p:cNvPr id="53" name="사각형: 둥근 모서리 52">
+            <a:extLst>
+              <a:ext uri="{FF2B5EF4-FFF2-40B4-BE49-F238E27FC236}">
+                <a16:creationId xmlns:a16="http://schemas.microsoft.com/office/drawing/2014/main" id="{508A4BA7-5CF8-48EB-A07C-980605DFABDF}"/>
+              </a:ext>
+            </a:extLst>
+          </p:cNvPr>
+          <p:cNvSpPr/>
+          <p:nvPr/>
+        </p:nvSpPr>
+        <p:spPr>
+          <a:xfrm>
+            <a:off x="5519490" y="2397098"/>
+            <a:ext cx="1531550" cy="219563"/>
+          </a:xfrm>
+          <a:prstGeom prst="roundRect">
+            <a:avLst/>
+          </a:prstGeom>
+          <a:solidFill>
+            <a:srgbClr val="00B050"/>
+          </a:solidFill>
+          <a:ln>
+            <a:noFill/>
+          </a:ln>
+        </p:spPr>
+        <p:style>
+          <a:lnRef idx="2">
+            <a:schemeClr val="accent1">
+              <a:shade val="50000"/>
+            </a:schemeClr>
+          </a:lnRef>
+          <a:fillRef idx="1">
+            <a:schemeClr val="accent1"/>
+          </a:fillRef>
+          <a:effectRef idx="0">
+            <a:schemeClr val="accent1"/>
+          </a:effectRef>
+          <a:fontRef idx="minor">
+            <a:schemeClr val="lt1"/>
+          </a:fontRef>
+        </p:style>
+        <p:txBody>
+          <a:bodyPr rtlCol="0" anchor="ctr"/>
+          <a:lstStyle/>
+          <a:p>
+            <a:pPr algn="ctr"/>
+            <a:r>
+              <a:rPr lang="ko-KR" altLang="en-US" sz="1300" dirty="0">
+                <a:latin typeface="이사만루체 Light" panose="00000300000000000000" pitchFamily="2" charset="-127"/>
+                <a:ea typeface="이사만루체 Light" panose="00000300000000000000" pitchFamily="2" charset="-127"/>
+              </a:rPr>
+              <a:t>정제와 단어 토큰화</a:t>
+            </a:r>
+          </a:p>
+        </p:txBody>
+      </p:sp>
+      <p:pic>
+        <p:nvPicPr>
+          <p:cNvPr id="55" name="그림 54">
+            <a:extLst>
+              <a:ext uri="{FF2B5EF4-FFF2-40B4-BE49-F238E27FC236}">
+                <a16:creationId xmlns:a16="http://schemas.microsoft.com/office/drawing/2014/main" id="{CD0D0D46-0D57-485F-BC21-74D861A38B90}"/>
+              </a:ext>
+            </a:extLst>
+          </p:cNvPr>
+          <p:cNvPicPr>
+            <a:picLocks noChangeAspect="1"/>
+          </p:cNvPicPr>
+          <p:nvPr/>
+        </p:nvPicPr>
+        <p:blipFill>
+          <a:blip r:embed="rId10"/>
+          <a:stretch>
+            <a:fillRect/>
+          </a:stretch>
+        </p:blipFill>
+        <p:spPr>
+          <a:xfrm>
+            <a:off x="8045857" y="2677563"/>
+            <a:ext cx="3530820" cy="2121682"/>
+          </a:xfrm>
+          <a:prstGeom prst="rect">
+            <a:avLst/>
+          </a:prstGeom>
+        </p:spPr>
+      </p:pic>
+      <p:sp>
+        <p:nvSpPr>
+          <p:cNvPr id="56" name="TextBox 55">
+            <a:extLst>
+              <a:ext uri="{FF2B5EF4-FFF2-40B4-BE49-F238E27FC236}">
+                <a16:creationId xmlns:a16="http://schemas.microsoft.com/office/drawing/2014/main" id="{CF5E0EC4-43F3-41CF-9B6D-F2D853F38214}"/>
+              </a:ext>
+            </a:extLst>
+          </p:cNvPr>
+          <p:cNvSpPr txBox="1"/>
+          <p:nvPr/>
+        </p:nvSpPr>
+        <p:spPr>
+          <a:xfrm>
+            <a:off x="5328938" y="5168364"/>
+            <a:ext cx="2457160" cy="713420"/>
+          </a:xfrm>
+          <a:prstGeom prst="roundRect">
+            <a:avLst/>
+          </a:prstGeom>
+          <a:ln w="12700">
+            <a:solidFill>
+              <a:srgbClr val="00B050"/>
+            </a:solidFill>
+            <a:prstDash val="lgDash"/>
+          </a:ln>
+        </p:spPr>
+        <p:txBody>
+          <a:bodyPr vert="horz" lIns="91440" tIns="45720" rIns="91440" bIns="45720" rtlCol="0">
+            <a:normAutofit/>
+          </a:bodyPr>
+          <a:lstStyle/>
+          <a:p>
+            <a:pPr latinLnBrk="0">
+              <a:lnSpc>
+                <a:spcPct val="90000"/>
+              </a:lnSpc>
+              <a:spcAft>
+                <a:spcPts val="600"/>
+              </a:spcAft>
+            </a:pPr>
+            <a:r>
+              <a:rPr lang="en-US" altLang="ko-KR" sz="100" dirty="0">
+                <a:latin typeface="에스코어 드림 3 Light" panose="020B0303030302020204" pitchFamily="34" charset="-127"/>
+                <a:ea typeface="에스코어 드림 3 Light" panose="020B0303030302020204" pitchFamily="34" charset="-127"/>
+              </a:rPr>
+              <a:t> </a:t>
+            </a:r>
+          </a:p>
+          <a:p>
+            <a:pPr latinLnBrk="0">
+              <a:lnSpc>
+                <a:spcPct val="90000"/>
+              </a:lnSpc>
+              <a:spcAft>
+                <a:spcPts val="600"/>
+              </a:spcAft>
+            </a:pPr>
+            <a:r>
+              <a:rPr lang="en-US" altLang="ko-KR" sz="900" dirty="0">
+                <a:latin typeface="에스코어 드림 3 Light" panose="020B0303030302020204" pitchFamily="34" charset="-127"/>
+                <a:ea typeface="에스코어 드림 3 Light" panose="020B0303030302020204" pitchFamily="34" charset="-127"/>
+              </a:rPr>
+              <a:t>print(vocab)</a:t>
+            </a:r>
+          </a:p>
+        </p:txBody>
+      </p:sp>
+      <p:sp>
+        <p:nvSpPr>
+          <p:cNvPr id="57" name="사각형: 둥근 모서리 56">
+            <a:extLst>
+              <a:ext uri="{FF2B5EF4-FFF2-40B4-BE49-F238E27FC236}">
+                <a16:creationId xmlns:a16="http://schemas.microsoft.com/office/drawing/2014/main" id="{4786E25B-4E33-4447-8455-52EA8E46578D}"/>
+              </a:ext>
+            </a:extLst>
+          </p:cNvPr>
+          <p:cNvSpPr/>
+          <p:nvPr/>
+        </p:nvSpPr>
+        <p:spPr>
+          <a:xfrm>
+            <a:off x="5496482" y="5066812"/>
+            <a:ext cx="1267330" cy="219563"/>
+          </a:xfrm>
+          <a:prstGeom prst="roundRect">
+            <a:avLst/>
+          </a:prstGeom>
+          <a:solidFill>
+            <a:srgbClr val="00B050"/>
+          </a:solidFill>
+          <a:ln>
+            <a:noFill/>
+          </a:ln>
+        </p:spPr>
+        <p:style>
+          <a:lnRef idx="2">
+            <a:schemeClr val="accent1">
+              <a:shade val="50000"/>
+            </a:schemeClr>
+          </a:lnRef>
+          <a:fillRef idx="1">
+            <a:schemeClr val="accent1"/>
+          </a:fillRef>
+          <a:effectRef idx="0">
+            <a:schemeClr val="accent1"/>
+          </a:effectRef>
+          <a:fontRef idx="minor">
+            <a:schemeClr val="lt1"/>
+          </a:fontRef>
+        </p:style>
+        <p:txBody>
+          <a:bodyPr rtlCol="0" anchor="ctr"/>
+          <a:lstStyle/>
+          <a:p>
+            <a:pPr algn="ctr"/>
+            <a:r>
+              <a:rPr lang="ko-KR" altLang="en-US" sz="1300">
+                <a:latin typeface="이사만루체 Light" panose="00000300000000000000" pitchFamily="2" charset="-127"/>
+                <a:ea typeface="이사만루체 Light" panose="00000300000000000000" pitchFamily="2" charset="-127"/>
+              </a:rPr>
+              <a:t>단어 횟수 세기</a:t>
+            </a:r>
+            <a:endParaRPr lang="ko-KR" altLang="en-US" sz="1300" dirty="0">
+              <a:latin typeface="이사만루체 Light" panose="00000300000000000000" pitchFamily="2" charset="-127"/>
+              <a:ea typeface="이사만루체 Light" panose="00000300000000000000" pitchFamily="2" charset="-127"/>
+            </a:endParaRPr>
+          </a:p>
+        </p:txBody>
+      </p:sp>
+      <p:pic>
+        <p:nvPicPr>
+          <p:cNvPr id="59" name="그림 58">
+            <a:extLst>
+              <a:ext uri="{FF2B5EF4-FFF2-40B4-BE49-F238E27FC236}">
+                <a16:creationId xmlns:a16="http://schemas.microsoft.com/office/drawing/2014/main" id="{D805CD21-1853-41E1-8511-787FA8C0EE3F}"/>
+              </a:ext>
+            </a:extLst>
+          </p:cNvPr>
+          <p:cNvPicPr>
+            <a:picLocks noChangeAspect="1"/>
+          </p:cNvPicPr>
+          <p:nvPr/>
+        </p:nvPicPr>
+        <p:blipFill>
+          <a:blip r:embed="rId11"/>
+          <a:stretch>
+            <a:fillRect/>
+          </a:stretch>
+        </p:blipFill>
+        <p:spPr>
+          <a:xfrm>
+            <a:off x="5394547" y="5469401"/>
+            <a:ext cx="2314244" cy="359107"/>
+          </a:xfrm>
+          <a:prstGeom prst="rect">
+            <a:avLst/>
+          </a:prstGeom>
+        </p:spPr>
+      </p:pic>
+      <p:sp>
+        <p:nvSpPr>
+          <p:cNvPr id="60" name="TextBox 59">
+            <a:extLst>
+              <a:ext uri="{FF2B5EF4-FFF2-40B4-BE49-F238E27FC236}">
+                <a16:creationId xmlns:a16="http://schemas.microsoft.com/office/drawing/2014/main" id="{41730436-FD6E-4A53-9465-1ED6618512E9}"/>
+              </a:ext>
+            </a:extLst>
+          </p:cNvPr>
+          <p:cNvSpPr txBox="1"/>
+          <p:nvPr/>
+        </p:nvSpPr>
+        <p:spPr>
+          <a:xfrm>
+            <a:off x="7845854" y="5168364"/>
+            <a:ext cx="4244546" cy="713420"/>
+          </a:xfrm>
+          <a:prstGeom prst="roundRect">
+            <a:avLst/>
+          </a:prstGeom>
+          <a:ln w="12700">
+            <a:solidFill>
+              <a:srgbClr val="00B050"/>
+            </a:solidFill>
+            <a:prstDash val="lgDash"/>
+          </a:ln>
+        </p:spPr>
+        <p:txBody>
+          <a:bodyPr vert="horz" lIns="91440" tIns="45720" rIns="91440" bIns="45720" rtlCol="0">
+            <a:normAutofit/>
+          </a:bodyPr>
+          <a:lstStyle/>
+          <a:p>
+            <a:pPr latinLnBrk="0">
+              <a:lnSpc>
+                <a:spcPct val="90000"/>
+              </a:lnSpc>
+              <a:spcAft>
+                <a:spcPts val="600"/>
+              </a:spcAft>
+            </a:pPr>
+            <a:r>
+              <a:rPr lang="en-US" altLang="ko-KR" sz="100" dirty="0">
+                <a:latin typeface="에스코어 드림 3 Light" panose="020B0303030302020204" pitchFamily="34" charset="-127"/>
+                <a:ea typeface="에스코어 드림 3 Light" panose="020B0303030302020204" pitchFamily="34" charset="-127"/>
+              </a:rPr>
+              <a:t> </a:t>
+            </a:r>
+          </a:p>
+          <a:p>
+            <a:pPr latinLnBrk="0">
+              <a:lnSpc>
+                <a:spcPct val="90000"/>
+              </a:lnSpc>
+              <a:spcAft>
+                <a:spcPts val="600"/>
+              </a:spcAft>
+            </a:pPr>
+            <a:r>
+              <a:rPr lang="en-US" altLang="ko-KR" sz="900" dirty="0" err="1">
+                <a:latin typeface="에스코어 드림 3 Light" panose="020B0303030302020204" pitchFamily="34" charset="-127"/>
+                <a:ea typeface="에스코어 드림 3 Light" panose="020B0303030302020204" pitchFamily="34" charset="-127"/>
+              </a:rPr>
+              <a:t>vocab_sorted</a:t>
+            </a:r>
+            <a:r>
+              <a:rPr lang="en-US" altLang="ko-KR" sz="900" dirty="0">
+                <a:latin typeface="에스코어 드림 3 Light" panose="020B0303030302020204" pitchFamily="34" charset="-127"/>
+                <a:ea typeface="에스코어 드림 3 Light" panose="020B0303030302020204" pitchFamily="34" charset="-127"/>
+              </a:rPr>
+              <a:t> = sorted(</a:t>
+            </a:r>
+            <a:r>
+              <a:rPr lang="en-US" altLang="ko-KR" sz="900" dirty="0" err="1">
+                <a:latin typeface="에스코어 드림 3 Light" panose="020B0303030302020204" pitchFamily="34" charset="-127"/>
+                <a:ea typeface="에스코어 드림 3 Light" panose="020B0303030302020204" pitchFamily="34" charset="-127"/>
+              </a:rPr>
+              <a:t>vocab.items</a:t>
+            </a:r>
+            <a:r>
+              <a:rPr lang="en-US" altLang="ko-KR" sz="900" dirty="0">
+                <a:latin typeface="에스코어 드림 3 Light" panose="020B0303030302020204" pitchFamily="34" charset="-127"/>
+                <a:ea typeface="에스코어 드림 3 Light" panose="020B0303030302020204" pitchFamily="34" charset="-127"/>
+              </a:rPr>
+              <a:t>(), key = lambda x:x[1], reverse = True)</a:t>
+            </a:r>
+          </a:p>
+        </p:txBody>
+      </p:sp>
+      <p:sp>
+        <p:nvSpPr>
+          <p:cNvPr id="61" name="사각형: 둥근 모서리 60">
+            <a:extLst>
+              <a:ext uri="{FF2B5EF4-FFF2-40B4-BE49-F238E27FC236}">
+                <a16:creationId xmlns:a16="http://schemas.microsoft.com/office/drawing/2014/main" id="{A4292064-2F72-458C-BAC6-3C79123B4F3F}"/>
+              </a:ext>
+            </a:extLst>
+          </p:cNvPr>
+          <p:cNvSpPr/>
+          <p:nvPr/>
+        </p:nvSpPr>
+        <p:spPr>
+          <a:xfrm>
+            <a:off x="8036481" y="5066812"/>
+            <a:ext cx="1874599" cy="219563"/>
+          </a:xfrm>
+          <a:prstGeom prst="roundRect">
+            <a:avLst/>
+          </a:prstGeom>
+          <a:solidFill>
+            <a:srgbClr val="00B050"/>
+          </a:solidFill>
+          <a:ln>
+            <a:noFill/>
+          </a:ln>
+        </p:spPr>
+        <p:style>
+          <a:lnRef idx="2">
+            <a:schemeClr val="accent1">
+              <a:shade val="50000"/>
+            </a:schemeClr>
+          </a:lnRef>
+          <a:fillRef idx="1">
+            <a:schemeClr val="accent1"/>
+          </a:fillRef>
+          <a:effectRef idx="0">
+            <a:schemeClr val="accent1"/>
+          </a:effectRef>
+          <a:fontRef idx="minor">
+            <a:schemeClr val="lt1"/>
+          </a:fontRef>
+        </p:style>
+        <p:txBody>
+          <a:bodyPr rtlCol="0" anchor="ctr"/>
+          <a:lstStyle/>
+          <a:p>
+            <a:pPr algn="l"/>
+            <a:r>
+              <a:rPr lang="ko-KR" altLang="en-US" sz="1200" b="1" i="0" dirty="0">
+                <a:solidFill>
+                  <a:schemeClr val="bg1"/>
+                </a:solidFill>
+                <a:effectLst/>
+                <a:latin typeface="이사만루체 Light" panose="00000300000000000000" pitchFamily="2" charset="-127"/>
+                <a:ea typeface="이사만루체 Light" panose="00000300000000000000" pitchFamily="2" charset="-127"/>
+              </a:rPr>
+              <a:t>빈도수가 높은 단어로 정렬</a:t>
+            </a:r>
+          </a:p>
+        </p:txBody>
+      </p:sp>
+      <p:pic>
+        <p:nvPicPr>
+          <p:cNvPr id="63" name="그림 62">
+            <a:extLst>
+              <a:ext uri="{FF2B5EF4-FFF2-40B4-BE49-F238E27FC236}">
+                <a16:creationId xmlns:a16="http://schemas.microsoft.com/office/drawing/2014/main" id="{AC5F8122-F632-4258-A53A-16A2DAB7321B}"/>
+              </a:ext>
+            </a:extLst>
+          </p:cNvPr>
+          <p:cNvPicPr>
+            <a:picLocks noChangeAspect="1"/>
+          </p:cNvPicPr>
+          <p:nvPr/>
+        </p:nvPicPr>
+        <p:blipFill>
+          <a:blip r:embed="rId12"/>
+          <a:stretch>
+            <a:fillRect/>
+          </a:stretch>
+        </p:blipFill>
+        <p:spPr>
+          <a:xfrm>
+            <a:off x="7973078" y="5494861"/>
+            <a:ext cx="3383677" cy="334333"/>
+          </a:xfrm>
+          <a:prstGeom prst="rect">
+            <a:avLst/>
+          </a:prstGeom>
+        </p:spPr>
+      </p:pic>
+    </p:spTree>
+    <p:extLst>
+      <p:ext uri="{BB962C8B-B14F-4D97-AF65-F5344CB8AC3E}">
+        <p14:creationId xmlns:p14="http://schemas.microsoft.com/office/powerpoint/2010/main" val="3782776527"/>
       </p:ext>
     </p:extLst>
   </p:cSld>
@@ -6394,4 +10423,299 @@
     </a:ext>
   </a:extLst>
 </a:theme>
+</file>
+
+<file path=ppt/theme/theme2.xml><?xml version="1.0" encoding="utf-8"?>
+<a:theme xmlns:a="http://schemas.openxmlformats.org/drawingml/2006/main" name="Office 테마">
+  <a:themeElements>
+    <a:clrScheme name="Office">
+      <a:dk1>
+        <a:sysClr val="windowText" lastClr="000000"/>
+      </a:dk1>
+      <a:lt1>
+        <a:sysClr val="window" lastClr="FFFFFF"/>
+      </a:lt1>
+      <a:dk2>
+        <a:srgbClr val="44546A"/>
+      </a:dk2>
+      <a:lt2>
+        <a:srgbClr val="E7E6E6"/>
+      </a:lt2>
+      <a:accent1>
+        <a:srgbClr val="4472C4"/>
+      </a:accent1>
+      <a:accent2>
+        <a:srgbClr val="ED7D31"/>
+      </a:accent2>
+      <a:accent3>
+        <a:srgbClr val="A5A5A5"/>
+      </a:accent3>
+      <a:accent4>
+        <a:srgbClr val="FFC000"/>
+      </a:accent4>
+      <a:accent5>
+        <a:srgbClr val="5B9BD5"/>
+      </a:accent5>
+      <a:accent6>
+        <a:srgbClr val="70AD47"/>
+      </a:accent6>
+      <a:hlink>
+        <a:srgbClr val="0563C1"/>
+      </a:hlink>
+      <a:folHlink>
+        <a:srgbClr val="954F72"/>
+      </a:folHlink>
+    </a:clrScheme>
+    <a:fontScheme name="Office">
+      <a:majorFont>
+        <a:latin typeface="맑은 고딕" panose="020F0302020204030204"/>
+        <a:ea typeface=""/>
+        <a:cs typeface=""/>
+        <a:font script="Jpan" typeface="游ゴシック Light"/>
+        <a:font script="Hang" typeface="맑은 고딕"/>
+        <a:font script="Hans" typeface="等线 Light"/>
+        <a:font script="Hant" typeface="新細明體"/>
+        <a:font script="Arab" typeface="Times New Roman"/>
+        <a:font script="Hebr" typeface="Times New Roman"/>
+        <a:font script="Thai" typeface="Angsana New"/>
+        <a:font script="Ethi" typeface="Nyala"/>
+        <a:font script="Beng" typeface="Vrinda"/>
+        <a:font script="Gujr" typeface="Shruti"/>
+        <a:font script="Khmr" typeface="MoolBoran"/>
+        <a:font script="Knda" typeface="Tunga"/>
+        <a:font script="Guru" typeface="Raavi"/>
+        <a:font script="Cans" typeface="Euphemia"/>
+        <a:font script="Cher" typeface="Plantagenet Cherokee"/>
+        <a:font script="Yiii" typeface="Microsoft Yi Baiti"/>
+        <a:font script="Tibt" typeface="Microsoft Himalaya"/>
+        <a:font script="Thaa" typeface="MV Boli"/>
+        <a:font script="Deva" typeface="Mangal"/>
+        <a:font script="Telu" typeface="Gautami"/>
+        <a:font script="Taml" typeface="Latha"/>
+        <a:font script="Syrc" typeface="Estrangelo Edessa"/>
+        <a:font script="Orya" typeface="Kalinga"/>
+        <a:font script="Mlym" typeface="Kartika"/>
+        <a:font script="Laoo" typeface="DokChampa"/>
+        <a:font script="Sinh" typeface="Iskoola Pota"/>
+        <a:font script="Mong" typeface="Mongolian Baiti"/>
+        <a:font script="Viet" typeface="Times New Roman"/>
+        <a:font script="Uigh" typeface="Microsoft Uighur"/>
+        <a:font script="Geor" typeface="Sylfaen"/>
+        <a:font script="Armn" typeface="Arial"/>
+        <a:font script="Bugi" typeface="Leelawadee UI"/>
+        <a:font script="Bopo" typeface="Microsoft JhengHei"/>
+        <a:font script="Java" typeface="Javanese Text"/>
+        <a:font script="Lisu" typeface="Segoe UI"/>
+        <a:font script="Mymr" typeface="Myanmar Text"/>
+        <a:font script="Nkoo" typeface="Ebrima"/>
+        <a:font script="Olck" typeface="Nirmala UI"/>
+        <a:font script="Osma" typeface="Ebrima"/>
+        <a:font script="Phag" typeface="Phagspa"/>
+        <a:font script="Syrn" typeface="Estrangelo Edessa"/>
+        <a:font script="Syrj" typeface="Estrangelo Edessa"/>
+        <a:font script="Syre" typeface="Estrangelo Edessa"/>
+        <a:font script="Sora" typeface="Nirmala UI"/>
+        <a:font script="Tale" typeface="Microsoft Tai Le"/>
+        <a:font script="Talu" typeface="Microsoft New Tai Lue"/>
+        <a:font script="Tfng" typeface="Ebrima"/>
+      </a:majorFont>
+      <a:minorFont>
+        <a:latin typeface="맑은 고딕" panose="020F0502020204030204"/>
+        <a:ea typeface=""/>
+        <a:cs typeface=""/>
+        <a:font script="Jpan" typeface="游ゴシック"/>
+        <a:font script="Hang" typeface="맑은 고딕"/>
+        <a:font script="Hans" typeface="等线"/>
+        <a:font script="Hant" typeface="新細明體"/>
+        <a:font script="Arab" typeface="Arial"/>
+        <a:font script="Hebr" typeface="Arial"/>
+        <a:font script="Thai" typeface="Cordia New"/>
+        <a:font script="Ethi" typeface="Nyala"/>
+        <a:font script="Beng" typeface="Vrinda"/>
+        <a:font script="Gujr" typeface="Shruti"/>
+        <a:font script="Khmr" typeface="DaunPenh"/>
+        <a:font script="Knda" typeface="Tunga"/>
+        <a:font script="Guru" typeface="Raavi"/>
+        <a:font script="Cans" typeface="Euphemia"/>
+        <a:font script="Cher" typeface="Plantagenet Cherokee"/>
+        <a:font script="Yiii" typeface="Microsoft Yi Baiti"/>
+        <a:font script="Tibt" typeface="Microsoft Himalaya"/>
+        <a:font script="Thaa" typeface="MV Boli"/>
+        <a:font script="Deva" typeface="Mangal"/>
+        <a:font script="Telu" typeface="Gautami"/>
+        <a:font script="Taml" typeface="Latha"/>
+        <a:font script="Syrc" typeface="Estrangelo Edessa"/>
+        <a:font script="Orya" typeface="Kalinga"/>
+        <a:font script="Mlym" typeface="Kartika"/>
+        <a:font script="Laoo" typeface="DokChampa"/>
+        <a:font script="Sinh" typeface="Iskoola Pota"/>
+        <a:font script="Mong" typeface="Mongolian Baiti"/>
+        <a:font script="Viet" typeface="Arial"/>
+        <a:font script="Uigh" typeface="Microsoft Uighur"/>
+        <a:font script="Geor" typeface="Sylfaen"/>
+        <a:font script="Armn" typeface="Arial"/>
+        <a:font script="Bugi" typeface="Leelawadee UI"/>
+        <a:font script="Bopo" typeface="Microsoft JhengHei"/>
+        <a:font script="Java" typeface="Javanese Text"/>
+        <a:font script="Lisu" typeface="Segoe UI"/>
+        <a:font script="Mymr" typeface="Myanmar Text"/>
+        <a:font script="Nkoo" typeface="Ebrima"/>
+        <a:font script="Olck" typeface="Nirmala UI"/>
+        <a:font script="Osma" typeface="Ebrima"/>
+        <a:font script="Phag" typeface="Phagspa"/>
+        <a:font script="Syrn" typeface="Estrangelo Edessa"/>
+        <a:font script="Syrj" typeface="Estrangelo Edessa"/>
+        <a:font script="Syre" typeface="Estrangelo Edessa"/>
+        <a:font script="Sora" typeface="Nirmala UI"/>
+        <a:font script="Tale" typeface="Microsoft Tai Le"/>
+        <a:font script="Talu" typeface="Microsoft New Tai Lue"/>
+        <a:font script="Tfng" typeface="Ebrima"/>
+      </a:minorFont>
+    </a:fontScheme>
+    <a:fmtScheme name="Office">
+      <a:fillStyleLst>
+        <a:solidFill>
+          <a:schemeClr val="phClr"/>
+        </a:solidFill>
+        <a:gradFill rotWithShape="1">
+          <a:gsLst>
+            <a:gs pos="0">
+              <a:schemeClr val="phClr">
+                <a:lumMod val="110000"/>
+                <a:satMod val="105000"/>
+                <a:tint val="67000"/>
+              </a:schemeClr>
+            </a:gs>
+            <a:gs pos="50000">
+              <a:schemeClr val="phClr">
+                <a:lumMod val="105000"/>
+                <a:satMod val="103000"/>
+                <a:tint val="73000"/>
+              </a:schemeClr>
+            </a:gs>
+            <a:gs pos="100000">
+              <a:schemeClr val="phClr">
+                <a:lumMod val="105000"/>
+                <a:satMod val="109000"/>
+                <a:tint val="81000"/>
+              </a:schemeClr>
+            </a:gs>
+          </a:gsLst>
+          <a:lin ang="5400000" scaled="0"/>
+        </a:gradFill>
+        <a:gradFill rotWithShape="1">
+          <a:gsLst>
+            <a:gs pos="0">
+              <a:schemeClr val="phClr">
+                <a:satMod val="103000"/>
+                <a:lumMod val="102000"/>
+                <a:tint val="94000"/>
+              </a:schemeClr>
+            </a:gs>
+            <a:gs pos="50000">
+              <a:schemeClr val="phClr">
+                <a:satMod val="110000"/>
+                <a:lumMod val="100000"/>
+                <a:shade val="100000"/>
+              </a:schemeClr>
+            </a:gs>
+            <a:gs pos="100000">
+              <a:schemeClr val="phClr">
+                <a:lumMod val="99000"/>
+                <a:satMod val="120000"/>
+                <a:shade val="78000"/>
+              </a:schemeClr>
+            </a:gs>
+          </a:gsLst>
+          <a:lin ang="5400000" scaled="0"/>
+        </a:gradFill>
+      </a:fillStyleLst>
+      <a:lnStyleLst>
+        <a:ln w="6350" cap="flat" cmpd="sng" algn="ctr">
+          <a:solidFill>
+            <a:schemeClr val="phClr"/>
+          </a:solidFill>
+          <a:prstDash val="solid"/>
+          <a:miter lim="800000"/>
+        </a:ln>
+        <a:ln w="12700" cap="flat" cmpd="sng" algn="ctr">
+          <a:solidFill>
+            <a:schemeClr val="phClr"/>
+          </a:solidFill>
+          <a:prstDash val="solid"/>
+          <a:miter lim="800000"/>
+        </a:ln>
+        <a:ln w="19050" cap="flat" cmpd="sng" algn="ctr">
+          <a:solidFill>
+            <a:schemeClr val="phClr"/>
+          </a:solidFill>
+          <a:prstDash val="solid"/>
+          <a:miter lim="800000"/>
+        </a:ln>
+      </a:lnStyleLst>
+      <a:effectStyleLst>
+        <a:effectStyle>
+          <a:effectLst/>
+        </a:effectStyle>
+        <a:effectStyle>
+          <a:effectLst/>
+        </a:effectStyle>
+        <a:effectStyle>
+          <a:effectLst>
+            <a:outerShdw blurRad="57150" dist="19050" dir="5400000" algn="ctr" rotWithShape="0">
+              <a:srgbClr val="000000">
+                <a:alpha val="63000"/>
+              </a:srgbClr>
+            </a:outerShdw>
+          </a:effectLst>
+        </a:effectStyle>
+      </a:effectStyleLst>
+      <a:bgFillStyleLst>
+        <a:solidFill>
+          <a:schemeClr val="phClr"/>
+        </a:solidFill>
+        <a:solidFill>
+          <a:schemeClr val="phClr">
+            <a:tint val="95000"/>
+            <a:satMod val="170000"/>
+          </a:schemeClr>
+        </a:solidFill>
+        <a:gradFill rotWithShape="1">
+          <a:gsLst>
+            <a:gs pos="0">
+              <a:schemeClr val="phClr">
+                <a:tint val="93000"/>
+                <a:satMod val="150000"/>
+                <a:shade val="98000"/>
+                <a:lumMod val="102000"/>
+              </a:schemeClr>
+            </a:gs>
+            <a:gs pos="50000">
+              <a:schemeClr val="phClr">
+                <a:tint val="98000"/>
+                <a:satMod val="130000"/>
+                <a:shade val="90000"/>
+                <a:lumMod val="103000"/>
+              </a:schemeClr>
+            </a:gs>
+            <a:gs pos="100000">
+              <a:schemeClr val="phClr">
+                <a:shade val="63000"/>
+                <a:satMod val="120000"/>
+              </a:schemeClr>
+            </a:gs>
+          </a:gsLst>
+          <a:lin ang="5400000" scaled="0"/>
+        </a:gradFill>
+      </a:bgFillStyleLst>
+    </a:fmtScheme>
+  </a:themeElements>
+  <a:objectDefaults/>
+  <a:extraClrSchemeLst/>
+  <a:extLst>
+    <a:ext uri="{05A4C25C-085E-4340-85A3-A5531E510DB2}">
+      <thm15:themeFamily xmlns:thm15="http://schemas.microsoft.com/office/thememl/2012/main" name="Office Theme" id="{62F939B6-93AF-4DB8-9C6B-D6C7DFDC589F}" vid="{4A3C46E8-61CC-4603-A589-7422A47A8E4A}"/>
+    </a:ext>
+  </a:extLst>
+</a:theme>
 </file>